--- a/EdaWorkshop.pptx
+++ b/EdaWorkshop.pptx
@@ -4294,19 +4294,7 @@
             <a:pPr lvl="1"/>
             <a:r>
               <a:rPr lang="en-US" dirty="0" smtClean="0"/>
-              <a:t>Components can be added/removed dynamically (in </a:t>
-            </a:r>
-            <a:r>
-              <a:rPr lang="en-US" dirty="0" smtClean="0"/>
-              <a:t>minute</a:t>
-            </a:r>
-            <a:r>
-              <a:rPr lang="en-US" dirty="0" smtClean="0"/>
-              <a:t>s</a:t>
-            </a:r>
-            <a:r>
-              <a:rPr lang="en-US" dirty="0" smtClean="0"/>
-              <a:t>) based on load</a:t>
+              <a:t>Components can be added/removed dynamically (in minutes) based on load</a:t>
             </a:r>
           </a:p>
           <a:p>
@@ -6019,7 +6007,6 @@
               <a:rPr lang="en-US" sz="900" dirty="0"/>
               <a:t>Request Decided</a:t>
             </a:r>
-            <a:endParaRPr lang="en-US" sz="900" dirty="0"/>
           </a:p>
         </p:txBody>
       </p:sp>
@@ -6424,11 +6411,7 @@
             <a:pPr algn="ctr"/>
             <a:r>
               <a:rPr lang="en-US" dirty="0" smtClean="0"/>
-              <a:t>Routing </a:t>
-            </a:r>
-            <a:r>
-              <a:rPr lang="en-US" dirty="0" smtClean="0"/>
-              <a:t>Service</a:t>
+              <a:t>Routing Service</a:t>
             </a:r>
             <a:endParaRPr lang="en-US" dirty="0"/>
           </a:p>
@@ -6622,7 +6605,6 @@
               <a:rPr lang="en-US" sz="900" dirty="0"/>
               <a:t>Request Decided</a:t>
             </a:r>
-            <a:endParaRPr lang="en-US" sz="900" dirty="0"/>
           </a:p>
         </p:txBody>
       </p:sp>
@@ -7161,11 +7143,7 @@
             <a:pPr algn="ctr"/>
             <a:r>
               <a:rPr lang="en-US" dirty="0" smtClean="0"/>
-              <a:t>Routing </a:t>
-            </a:r>
-            <a:r>
-              <a:rPr lang="en-US" dirty="0" smtClean="0"/>
-              <a:t>Service</a:t>
+              <a:t>Routing Service</a:t>
             </a:r>
             <a:endParaRPr lang="en-US" dirty="0"/>
           </a:p>
@@ -7403,7 +7381,6 @@
               <a:rPr lang="en-US" sz="900" dirty="0"/>
               <a:t>Request Decided</a:t>
             </a:r>
-            <a:endParaRPr lang="en-US" sz="900" dirty="0"/>
           </a:p>
         </p:txBody>
       </p:sp>
@@ -8110,11 +8087,7 @@
             <a:pPr algn="ctr"/>
             <a:r>
               <a:rPr lang="en-US" dirty="0" smtClean="0"/>
-              <a:t>Routing </a:t>
-            </a:r>
-            <a:r>
-              <a:rPr lang="en-US" dirty="0" smtClean="0"/>
-              <a:t>Service</a:t>
+              <a:t>Routing Service</a:t>
             </a:r>
             <a:endParaRPr lang="en-US" dirty="0"/>
           </a:p>
@@ -8352,7 +8325,6 @@
               <a:rPr lang="en-US" sz="900" dirty="0"/>
               <a:t>Request Decided</a:t>
             </a:r>
-            <a:endParaRPr lang="en-US" sz="900" dirty="0"/>
           </a:p>
         </p:txBody>
       </p:sp>
@@ -9174,11 +9146,7 @@
             <a:pPr algn="ctr"/>
             <a:r>
               <a:rPr lang="en-US" dirty="0" smtClean="0"/>
-              <a:t>Routing </a:t>
-            </a:r>
-            <a:r>
-              <a:rPr lang="en-US" dirty="0" smtClean="0"/>
-              <a:t>Service</a:t>
+              <a:t>Routing Service</a:t>
             </a:r>
             <a:endParaRPr lang="en-US" dirty="0"/>
           </a:p>
@@ -9416,7 +9384,6 @@
               <a:rPr lang="en-US" sz="900" dirty="0"/>
               <a:t>Request Decided</a:t>
             </a:r>
-            <a:endParaRPr lang="en-US" sz="900" dirty="0"/>
           </a:p>
         </p:txBody>
       </p:sp>
@@ -10360,36 +10327,20 @@
             </a:r>
             <a:r>
               <a:rPr lang="en-US" dirty="0"/>
-              <a:t>incoming requests to message bus </a:t>
+              <a:t>incoming requests to </a:t>
+            </a:r>
+            <a:r>
+              <a:rPr lang="en-US" dirty="0" smtClean="0"/>
+              <a:t>utilization management platform</a:t>
+            </a:r>
+            <a:r>
+              <a:rPr lang="en-US" dirty="0" smtClean="0"/>
+              <a:t> </a:t>
             </a:r>
             <a:endParaRPr lang="en-US" b="1" dirty="0"/>
           </a:p>
         </p:txBody>
       </p:sp>
-      <p:pic>
-        <p:nvPicPr>
-          <p:cNvPr id="6" name="Picture 5"/>
-          <p:cNvPicPr>
-            <a:picLocks noChangeAspect="1"/>
-          </p:cNvPicPr>
-          <p:nvPr/>
-        </p:nvPicPr>
-        <p:blipFill>
-          <a:blip r:embed="rId2"/>
-          <a:stretch>
-            <a:fillRect/>
-          </a:stretch>
-        </p:blipFill>
-        <p:spPr>
-          <a:xfrm>
-            <a:off x="7752588" y="3228703"/>
-            <a:ext cx="3695700" cy="1219200"/>
-          </a:xfrm>
-          <a:prstGeom prst="rect">
-            <a:avLst/>
-          </a:prstGeom>
-        </p:spPr>
-      </p:pic>
     </p:spTree>
     <p:extLst>
       <p:ext uri="{BB962C8B-B14F-4D97-AF65-F5344CB8AC3E}">
@@ -10455,7 +10406,9 @@
         </p:nvSpPr>
         <p:spPr/>
         <p:txBody>
-          <a:bodyPr anchor="ctr"/>
+          <a:bodyPr anchor="t">
+            <a:normAutofit fontScale="77500" lnSpcReduction="20000"/>
+          </a:bodyPr>
           <a:lstStyle/>
           <a:p>
             <a:pPr marL="0" indent="0">
@@ -10463,23 +10416,124 @@
             </a:pPr>
             <a:r>
               <a:rPr lang="en-US" dirty="0" smtClean="0"/>
-              <a:t>As a TAH developer, I </a:t>
-            </a:r>
-            <a:r>
-              <a:rPr lang="en-US" dirty="0" smtClean="0"/>
-              <a:t>need all incoming requests </a:t>
-            </a:r>
-            <a:r>
-              <a:rPr lang="en-US" dirty="0" smtClean="0"/>
-              <a:t>for </a:t>
-            </a:r>
-            <a:r>
-              <a:rPr lang="en-US" dirty="0" smtClean="0"/>
-              <a:t>service to be available to all current and future components of the utilization management platform </a:t>
-            </a:r>
-            <a:r>
-              <a:rPr lang="en-US" dirty="0" smtClean="0"/>
-              <a:t>so that I can implement the features provided by TAH.</a:t>
+              <a:t>As a TAH developer, I need all incoming requests for service to be available to all current and future components of the utilization management platform so that I can implement the features provided by TAH</a:t>
+            </a:r>
+            <a:r>
+              <a:rPr lang="en-US" dirty="0" smtClean="0"/>
+              <a:t>.</a:t>
+            </a:r>
+          </a:p>
+          <a:p>
+            <a:pPr marL="0" indent="0">
+              <a:buNone/>
+            </a:pPr>
+            <a:endParaRPr lang="en-US" dirty="0"/>
+          </a:p>
+          <a:p>
+            <a:pPr marL="0" indent="0">
+              <a:buNone/>
+            </a:pPr>
+            <a:r>
+              <a:rPr lang="en-US" dirty="0" smtClean="0"/>
+              <a:t>Acceptance Criteria</a:t>
+            </a:r>
+          </a:p>
+          <a:p>
+            <a:pPr marL="457200" indent="-457200">
+              <a:buFont typeface="+mj-lt"/>
+              <a:buAutoNum type="arabicPeriod"/>
+            </a:pPr>
+            <a:r>
+              <a:rPr lang="en-US" dirty="0" smtClean="0"/>
+              <a:t>Requests are available to current and future services within 10 seconds of arriving on the network</a:t>
+            </a:r>
+          </a:p>
+          <a:p>
+            <a:pPr marL="457200" indent="-457200">
+              <a:buFont typeface="+mj-lt"/>
+              <a:buAutoNum type="arabicPeriod"/>
+            </a:pPr>
+            <a:r>
+              <a:rPr lang="en-US" dirty="0" smtClean="0"/>
+              <a:t>Consumers must be able to </a:t>
+            </a:r>
+            <a:r>
+              <a:rPr lang="en-US" dirty="0"/>
+              <a:t>receive the requests in the order they were received</a:t>
+            </a:r>
+          </a:p>
+          <a:p>
+            <a:pPr marL="457200" indent="-457200">
+              <a:buFont typeface="+mj-lt"/>
+              <a:buAutoNum type="arabicPeriod"/>
+            </a:pPr>
+            <a:r>
+              <a:rPr lang="en-US" dirty="0" smtClean="0"/>
+              <a:t>Consumers should be able to </a:t>
+            </a:r>
+          </a:p>
+          <a:p>
+            <a:pPr marL="731520" lvl="1" indent="-457200">
+              <a:buFont typeface="+mj-lt"/>
+              <a:buAutoNum type="alphaLcPeriod"/>
+            </a:pPr>
+            <a:r>
+              <a:rPr lang="en-US" dirty="0" smtClean="0"/>
+              <a:t>receive requests asynchronously</a:t>
+            </a:r>
+          </a:p>
+          <a:p>
+            <a:pPr marL="731520" lvl="1" indent="-457200">
+              <a:buFont typeface="+mj-lt"/>
+              <a:buAutoNum type="alphaLcPeriod"/>
+            </a:pPr>
+            <a:r>
+              <a:rPr lang="en-US" dirty="0" smtClean="0"/>
+              <a:t>replay previously received requests</a:t>
+            </a:r>
+          </a:p>
+          <a:p>
+            <a:pPr marL="457200" indent="-457200">
+              <a:buFont typeface="+mj-lt"/>
+              <a:buAutoNum type="arabicPeriod"/>
+            </a:pPr>
+            <a:r>
+              <a:rPr lang="en-US" dirty="0"/>
+              <a:t>System must be able to receive up to 10,000 incoming requests per </a:t>
+            </a:r>
+            <a:r>
+              <a:rPr lang="en-US" dirty="0" smtClean="0"/>
+              <a:t>minute</a:t>
+            </a:r>
+            <a:endParaRPr lang="en-US" dirty="0" smtClean="0"/>
+          </a:p>
+          <a:p>
+            <a:pPr marL="0" indent="0">
+              <a:buNone/>
+            </a:pPr>
+            <a:endParaRPr lang="en-US" dirty="0"/>
+          </a:p>
+          <a:p>
+            <a:pPr marL="0" indent="0">
+              <a:buNone/>
+            </a:pPr>
+            <a:r>
+              <a:rPr lang="en-US" dirty="0" smtClean="0"/>
+              <a:t>Implementation Notes</a:t>
+            </a:r>
+          </a:p>
+          <a:p>
+            <a:r>
+              <a:rPr lang="en-US" dirty="0" smtClean="0"/>
+              <a:t>We’ll simulate </a:t>
+            </a:r>
+            <a:r>
+              <a:rPr lang="en-US" dirty="0" smtClean="0"/>
+              <a:t>receiv</a:t>
+            </a:r>
+            <a:r>
+              <a:rPr lang="en-US" dirty="0" smtClean="0"/>
+              <a:t>ing requests by generating random requests</a:t>
             </a:r>
             <a:endParaRPr lang="en-US" dirty="0"/>
           </a:p>
@@ -10769,11 +10823,7 @@
             <a:pPr algn="ctr"/>
             <a:r>
               <a:rPr lang="en-US" dirty="0" smtClean="0"/>
-              <a:t>Routing </a:t>
-            </a:r>
-            <a:r>
-              <a:rPr lang="en-US" dirty="0" smtClean="0"/>
-              <a:t>Service</a:t>
+              <a:t>Routing Service</a:t>
             </a:r>
             <a:endParaRPr lang="en-US" dirty="0"/>
           </a:p>
@@ -11048,15 +11098,7 @@
             <a:pPr algn="ctr"/>
             <a:r>
               <a:rPr lang="en-US" sz="900" dirty="0" smtClean="0"/>
-              <a:t>Request </a:t>
-            </a:r>
-            <a:r>
-              <a:rPr lang="en-US" sz="900" dirty="0" smtClean="0"/>
-              <a:t>Decide</a:t>
-            </a:r>
-            <a:r>
-              <a:rPr lang="en-US" sz="900" dirty="0" smtClean="0"/>
-              <a:t>d</a:t>
+              <a:t>Request Decided</a:t>
             </a:r>
             <a:endParaRPr lang="en-US" sz="900" dirty="0"/>
           </a:p>
@@ -12154,19 +12196,13 @@
               <a:rPr lang="en-US" dirty="0" smtClean="0"/>
               <a:t>Namespace (i.e. cluster)</a:t>
             </a:r>
-            <a:endParaRPr lang="en-US" dirty="0" smtClean="0"/>
           </a:p>
           <a:p>
             <a:pPr lvl="1"/>
             <a:r>
               <a:rPr lang="en-US" dirty="0" smtClean="0"/>
-              <a:t>Hub (i.e. </a:t>
-            </a:r>
-            <a:r>
-              <a:rPr lang="en-US" dirty="0" smtClean="0"/>
-              <a:t>topic)</a:t>
-            </a:r>
-            <a:endParaRPr lang="en-US" dirty="0" smtClean="0"/>
+              <a:t>Hub (i.e. topic)</a:t>
+            </a:r>
           </a:p>
           <a:p>
             <a:pPr lvl="1"/>
@@ -12282,13 +12318,17 @@
         <p:spPr/>
         <p:txBody>
           <a:bodyPr>
-            <a:normAutofit fontScale="77500" lnSpcReduction="20000"/>
+            <a:normAutofit fontScale="70000" lnSpcReduction="20000"/>
           </a:bodyPr>
           <a:lstStyle/>
           <a:p>
             <a:r>
               <a:rPr lang="en-US" dirty="0" smtClean="0"/>
-              <a:t>Azure’s event-driven </a:t>
+              <a:t>Azure’s </a:t>
+            </a:r>
+            <a:r>
+              <a:rPr lang="en-US" dirty="0" smtClean="0"/>
+              <a:t>event-driven, </a:t>
             </a:r>
             <a:r>
               <a:rPr lang="en-US" dirty="0" err="1" smtClean="0"/>
@@ -12296,11 +12336,7 @@
             </a:r>
             <a:r>
               <a:rPr lang="en-US" dirty="0" smtClean="0"/>
-              <a:t> compute </a:t>
-            </a:r>
-            <a:r>
-              <a:rPr lang="en-US" dirty="0" smtClean="0"/>
-              <a:t>option</a:t>
+              <a:t> compute option</a:t>
             </a:r>
           </a:p>
           <a:p>
@@ -12339,15 +12375,32 @@
             <a:pPr lvl="1"/>
             <a:r>
               <a:rPr lang="en-US" dirty="0" smtClean="0"/>
-              <a:t>Message arrived / event occurred</a:t>
+              <a:t>Message arrived / event </a:t>
+            </a:r>
+            <a:r>
+              <a:rPr lang="en-US" dirty="0" smtClean="0"/>
+              <a:t>occurred</a:t>
             </a:r>
           </a:p>
           <a:p>
             <a:pPr lvl="1"/>
             <a:r>
               <a:rPr lang="en-US" dirty="0" smtClean="0"/>
-              <a:t>BLOB created / updated</a:t>
-            </a:r>
+              <a:t>Database record created, updated, or deleted</a:t>
+            </a:r>
+            <a:endParaRPr lang="en-US" dirty="0" smtClean="0"/>
+          </a:p>
+          <a:p>
+            <a:pPr lvl="1"/>
+            <a:r>
+              <a:rPr lang="en-US" dirty="0" smtClean="0"/>
+              <a:t>BLOB </a:t>
+            </a:r>
+            <a:r>
+              <a:rPr lang="en-US" dirty="0" smtClean="0"/>
+              <a:t>created, updated, or deleted</a:t>
+            </a:r>
+            <a:endParaRPr lang="en-US" dirty="0" smtClean="0"/>
           </a:p>
           <a:p>
             <a:endParaRPr lang="en-US" dirty="0"/>
@@ -12380,13 +12433,8 @@
           <a:p>
             <a:r>
               <a:rPr lang="en-US" dirty="0" smtClean="0"/>
-              <a:t>Key </a:t>
-            </a:r>
-            <a:r>
-              <a:rPr lang="en-US" dirty="0" smtClean="0"/>
-              <a:t>terms</a:t>
-            </a:r>
-            <a:endParaRPr lang="en-US" dirty="0" smtClean="0"/>
+              <a:t>Key terms</a:t>
+            </a:r>
           </a:p>
         </p:txBody>
       </p:sp>
@@ -12464,19 +12512,14 @@
               <a:rPr lang="en-US" dirty="0" smtClean="0"/>
               <a:t>Develop in Azure Portal</a:t>
             </a:r>
-            <a:endParaRPr lang="en-US" dirty="0" smtClean="0"/>
-          </a:p>
-          <a:p>
-            <a:endParaRPr lang="en-US" dirty="0"/>
-          </a:p>
-          <a:p>
-            <a:r>
-              <a:rPr lang="en-US" dirty="0" smtClean="0"/>
-              <a:t>Create Azure Hub </a:t>
-            </a:r>
-            <a:r>
-              <a:rPr lang="en-US" dirty="0" smtClean="0"/>
-              <a:t>Namespace</a:t>
+          </a:p>
+          <a:p>
+            <a:endParaRPr lang="en-US" dirty="0"/>
+          </a:p>
+          <a:p>
+            <a:r>
+              <a:rPr lang="en-US" dirty="0" smtClean="0"/>
+              <a:t>Create Azure Hub Namespace</a:t>
             </a:r>
           </a:p>
           <a:p>
@@ -12503,23 +12546,17 @@
           <a:p>
             <a:r>
               <a:rPr lang="en-US" dirty="0" smtClean="0"/>
-              <a:t>Create Azure </a:t>
-            </a:r>
-            <a:r>
-              <a:rPr lang="en-US" dirty="0" smtClean="0"/>
-              <a:t>Hub for received requests</a:t>
-            </a:r>
+              <a:t>Create Azure Hub for received requests</a:t>
+            </a:r>
+          </a:p>
+          <a:p>
             <a:endParaRPr lang="en-US" dirty="0" smtClean="0"/>
           </a:p>
           <a:p>
-            <a:endParaRPr lang="en-US" dirty="0" smtClean="0"/>
-          </a:p>
-          <a:p>
             <a:r>
               <a:rPr lang="en-US" dirty="0" smtClean="0"/>
               <a:t>Create Shared Access Policy for publisher</a:t>
             </a:r>
-            <a:endParaRPr lang="en-US" dirty="0" smtClean="0"/>
           </a:p>
         </p:txBody>
       </p:sp>
@@ -12589,13 +12626,26 @@
         <p:spPr/>
         <p:txBody>
           <a:bodyPr>
-            <a:normAutofit lnSpcReduction="10000"/>
+            <a:normAutofit fontScale="92500" lnSpcReduction="20000"/>
           </a:bodyPr>
           <a:lstStyle/>
           <a:p>
             <a:r>
               <a:rPr lang="en-US" dirty="0" smtClean="0"/>
-              <a:t>Start with ThreeAmigosHealth.sln in Sprint1/Initial</a:t>
+              <a:t>Simulate incoming requests by generating and sending randomly requests</a:t>
+            </a:r>
+          </a:p>
+          <a:p>
+            <a:endParaRPr lang="en-US" dirty="0"/>
+          </a:p>
+          <a:p>
+            <a:r>
+              <a:rPr lang="en-US" dirty="0" smtClean="0"/>
+              <a:t>Start </a:t>
+            </a:r>
+            <a:r>
+              <a:rPr lang="en-US" dirty="0" smtClean="0"/>
+              <a:t>with ThreeAmigosHealth.sln in Sprint1/Initial</a:t>
             </a:r>
           </a:p>
           <a:p>
@@ -12616,17 +12666,68 @@
             </a:r>
             <a:r>
               <a:rPr lang="en-US" dirty="0" smtClean="0"/>
-              <a:t>with Event Hub Trigger</a:t>
+              <a:t>with </a:t>
+            </a:r>
+            <a:r>
+              <a:rPr lang="en-US" dirty="0" smtClean="0"/>
+              <a:t>Timer Trigger</a:t>
             </a:r>
             <a:endParaRPr lang="en-US" dirty="0" smtClean="0"/>
           </a:p>
           <a:p>
-            <a:endParaRPr lang="en-US" dirty="0" smtClean="0"/>
-          </a:p>
-          <a:p>
-            <a:r>
-              <a:rPr lang="en-US" dirty="0" smtClean="0"/>
-              <a:t>Business logic in </a:t>
+            <a:pPr lvl="1"/>
+            <a:r>
+              <a:rPr lang="en-US" dirty="0" smtClean="0"/>
+              <a:t>Timer will send 1 or more requests each time it fires</a:t>
+            </a:r>
+          </a:p>
+          <a:p>
+            <a:pPr lvl="1"/>
+            <a:r>
+              <a:rPr lang="en-US" dirty="0" smtClean="0"/>
+              <a:t>Use </a:t>
+            </a:r>
+            <a:r>
+              <a:rPr lang="en-US" dirty="0" err="1"/>
+              <a:t>EventHubProducerClient</a:t>
+            </a:r>
+            <a:r>
+              <a:rPr lang="en-US" dirty="0"/>
+              <a:t> from </a:t>
+            </a:r>
+            <a:r>
+              <a:rPr lang="en-US" dirty="0" err="1"/>
+              <a:t>Azure.Messaging.EventHubs</a:t>
+            </a:r>
+            <a:r>
+              <a:rPr lang="en-US" dirty="0"/>
+              <a:t> nugget package</a:t>
+            </a:r>
+          </a:p>
+          <a:p>
+            <a:pPr lvl="2"/>
+            <a:r>
+              <a:rPr lang="en-US" dirty="0"/>
+              <a:t>Requires </a:t>
+            </a:r>
+            <a:r>
+              <a:rPr lang="en-US" i="1" dirty="0"/>
+              <a:t>Shared Access Policy </a:t>
+            </a:r>
+            <a:r>
+              <a:rPr lang="en-US" dirty="0"/>
+              <a:t>connection string from received request hub</a:t>
+            </a:r>
+          </a:p>
+          <a:p>
+            <a:pPr lvl="1"/>
+            <a:r>
+              <a:rPr lang="en-US" dirty="0" smtClean="0"/>
+              <a:t>Business </a:t>
+            </a:r>
+            <a:r>
+              <a:rPr lang="en-US" dirty="0" smtClean="0"/>
+              <a:t>logic in </a:t>
             </a:r>
             <a:r>
               <a:rPr lang="en-US" dirty="0" err="1" smtClean="0"/>
@@ -12636,48 +12737,9 @@
               <a:rPr lang="en-US" dirty="0" smtClean="0"/>
               <a:t> project in solution</a:t>
             </a:r>
+          </a:p>
+          <a:p>
             <a:endParaRPr lang="en-US" dirty="0" smtClean="0"/>
-          </a:p>
-          <a:p>
-            <a:endParaRPr lang="en-US" dirty="0" smtClean="0"/>
-          </a:p>
-          <a:p>
-            <a:r>
-              <a:rPr lang="en-US" dirty="0" smtClean="0"/>
-              <a:t>Use </a:t>
-            </a:r>
-            <a:r>
-              <a:rPr lang="en-US" dirty="0" err="1" smtClean="0"/>
-              <a:t>EventHubProducerClient</a:t>
-            </a:r>
-            <a:r>
-              <a:rPr lang="en-US" dirty="0"/>
-              <a:t> from </a:t>
-            </a:r>
-            <a:r>
-              <a:rPr lang="en-US" dirty="0" err="1" smtClean="0"/>
-              <a:t>Azure.Messaging.EventHubs</a:t>
-            </a:r>
-            <a:r>
-              <a:rPr lang="en-US" dirty="0" smtClean="0"/>
-              <a:t> nugget package</a:t>
-            </a:r>
-          </a:p>
-          <a:p>
-            <a:pPr lvl="1"/>
-            <a:r>
-              <a:rPr lang="en-US" dirty="0" smtClean="0"/>
-              <a:t>Requires </a:t>
-            </a:r>
-            <a:r>
-              <a:rPr lang="en-US" i="1" dirty="0" smtClean="0"/>
-              <a:t>Shared Access Policy </a:t>
-            </a:r>
-            <a:r>
-              <a:rPr lang="en-US" dirty="0" smtClean="0"/>
-              <a:t>connection string from received request hub</a:t>
-            </a:r>
-            <a:endParaRPr lang="en-US" dirty="0"/>
           </a:p>
           <a:p>
             <a:endParaRPr lang="en-US" dirty="0" smtClean="0"/>
@@ -13089,11 +13151,7 @@
           <a:p>
             <a:r>
               <a:rPr lang="en-US" dirty="0" smtClean="0"/>
-              <a:t>sprint 1 </a:t>
-            </a:r>
-            <a:r>
-              <a:rPr lang="en-US" dirty="0" smtClean="0"/>
-              <a:t>retrospective</a:t>
+              <a:t>sprint 1 retrospective</a:t>
             </a:r>
             <a:endParaRPr lang="en-US" dirty="0"/>
           </a:p>
@@ -13131,81 +13189,43 @@
               <a:rPr lang="en-US" dirty="0" smtClean="0"/>
               <a:t>ncoming requests are available to any platform components</a:t>
             </a:r>
+          </a:p>
+          <a:p>
             <a:endParaRPr lang="en-US" dirty="0" smtClean="0"/>
           </a:p>
           <a:p>
+            <a:r>
+              <a:rPr lang="en-US" dirty="0" smtClean="0"/>
+              <a:t>We are taking advantage of asynchronous messaging</a:t>
+            </a:r>
+            <a:endParaRPr lang="en-US" dirty="0"/>
+          </a:p>
+          <a:p>
+            <a:pPr lvl="1"/>
+            <a:r>
+              <a:rPr lang="en-US" dirty="0" smtClean="0"/>
+              <a:t>Publishing requests with little concern for who will consume them or how many consumers there will be</a:t>
+            </a:r>
+            <a:endParaRPr lang="en-US" dirty="0"/>
+          </a:p>
+          <a:p>
             <a:endParaRPr lang="en-US" dirty="0" smtClean="0"/>
           </a:p>
           <a:p>
             <a:r>
               <a:rPr lang="en-US" dirty="0" smtClean="0"/>
-              <a:t>We are taking advantage of asynchronous </a:t>
-            </a:r>
-            <a:r>
-              <a:rPr lang="en-US" dirty="0" smtClean="0"/>
-              <a:t>messaging</a:t>
-            </a:r>
-            <a:endParaRPr lang="en-US" dirty="0"/>
+              <a:t>Everything about the platform is scalable</a:t>
+            </a:r>
           </a:p>
           <a:p>
             <a:pPr lvl="1"/>
-            <a:r>
-              <a:rPr lang="en-US" dirty="0" smtClean="0"/>
-              <a:t>Publish</a:t>
-            </a:r>
-            <a:r>
-              <a:rPr lang="en-US" dirty="0" smtClean="0"/>
-              <a:t>ing </a:t>
-            </a:r>
-            <a:r>
-              <a:rPr lang="en-US" dirty="0" smtClean="0"/>
-              <a:t>request</a:t>
-            </a:r>
-            <a:r>
-              <a:rPr lang="en-US" dirty="0" smtClean="0"/>
-              <a:t>s </a:t>
-            </a:r>
-            <a:r>
-              <a:rPr lang="en-US" dirty="0" smtClean="0"/>
-              <a:t>with little concern for who </a:t>
-            </a:r>
-            <a:r>
-              <a:rPr lang="en-US" dirty="0" smtClean="0"/>
-              <a:t>will consume them or how many consumers there will be</a:t>
-            </a:r>
-            <a:endParaRPr lang="en-US" dirty="0"/>
-          </a:p>
-          <a:p>
-            <a:endParaRPr lang="en-US" dirty="0" smtClean="0"/>
-          </a:p>
-          <a:p>
-            <a:r>
-              <a:rPr lang="en-US" dirty="0" smtClean="0"/>
-              <a:t>Everything about the platform is scalable</a:t>
-            </a:r>
-          </a:p>
-          <a:p>
-            <a:pPr lvl="1"/>
-            <a:endParaRPr lang="en-US" dirty="0"/>
-          </a:p>
-          <a:p>
-            <a:r>
-              <a:rPr lang="en-US" dirty="0" smtClean="0"/>
-              <a:t>Later exercises will </a:t>
-            </a:r>
-            <a:r>
-              <a:rPr lang="en-US" dirty="0" smtClean="0"/>
-              <a:t>demonstrate asynchronous </a:t>
-            </a:r>
-            <a:r>
-              <a:rPr lang="en-US" dirty="0" smtClean="0"/>
-              <a:t>messaging </a:t>
-            </a:r>
-            <a:r>
-              <a:rPr lang="en-US" dirty="0" smtClean="0"/>
-              <a:t>and scalability</a:t>
-            </a:r>
-            <a:endParaRPr lang="en-US" dirty="0" smtClean="0"/>
+            <a:endParaRPr lang="en-US" dirty="0"/>
+          </a:p>
+          <a:p>
+            <a:r>
+              <a:rPr lang="en-US" dirty="0" smtClean="0"/>
+              <a:t>Later exercises will demonstrate asynchronous messaging and scalability</a:t>
+            </a:r>
           </a:p>
         </p:txBody>
       </p:sp>
@@ -15015,11 +15035,7 @@
           <a:p>
             <a:r>
               <a:rPr lang="en-US" dirty="0" smtClean="0"/>
-              <a:t>Request </a:t>
-            </a:r>
-            <a:r>
-              <a:rPr lang="en-US" dirty="0" smtClean="0"/>
-              <a:t>/ response pattern</a:t>
+              <a:t>Request / response pattern</a:t>
             </a:r>
             <a:endParaRPr lang="en-US" dirty="0"/>
           </a:p>

--- a/EdaWorkshop.pptx
+++ b/EdaWorkshop.pptx
@@ -572,7 +572,7 @@
           <a:p>
             <a:fld id="{83284890-85D2-4D7B-8EF5-15A9C1DB8F42}" type="datetimeFigureOut">
               <a:rPr lang="en-US" dirty="0"/>
-              <a:t>8/5/2021</a:t>
+              <a:t>8/14/2021</a:t>
             </a:fld>
             <a:endParaRPr lang="en-US" dirty="0"/>
           </a:p>
@@ -747,7 +747,7 @@
           <a:p>
             <a:fld id="{87157CC2-0FC8-4686-B024-99790E0F5162}" type="datetimeFigureOut">
               <a:rPr lang="en-US" dirty="0"/>
-              <a:t>8/5/2021</a:t>
+              <a:t>8/14/2021</a:t>
             </a:fld>
             <a:endParaRPr lang="en-US" dirty="0"/>
           </a:p>
@@ -922,7 +922,7 @@
           <a:p>
             <a:fld id="{F6764DA5-CD3D-4590-A511-FCD3BC7A793E}" type="datetimeFigureOut">
               <a:rPr lang="en-US" dirty="0"/>
-              <a:t>8/5/2021</a:t>
+              <a:t>8/14/2021</a:t>
             </a:fld>
             <a:endParaRPr lang="en-US" dirty="0"/>
           </a:p>
@@ -1087,7 +1087,7 @@
           <a:p>
             <a:fld id="{82F5661D-6934-4B32-B92C-470368BF1EC6}" type="datetimeFigureOut">
               <a:rPr lang="en-US" dirty="0"/>
-              <a:t>8/5/2021</a:t>
+              <a:t>8/14/2021</a:t>
             </a:fld>
             <a:endParaRPr lang="en-US" dirty="0"/>
           </a:p>
@@ -1395,7 +1395,7 @@
           <a:p>
             <a:fld id="{C6F822A4-8DA6-4447-9B1F-C5DB58435268}" type="datetimeFigureOut">
               <a:rPr lang="en-US" dirty="0"/>
-              <a:t>8/5/2021</a:t>
+              <a:t>8/14/2021</a:t>
             </a:fld>
             <a:endParaRPr lang="en-US" dirty="0"/>
           </a:p>
@@ -1777,7 +1777,7 @@
           <a:p>
             <a:fld id="{E548D31E-DCDA-41A7-9C67-C4B11B94D21D}" type="datetimeFigureOut">
               <a:rPr lang="en-US" dirty="0"/>
-              <a:t>8/5/2021</a:t>
+              <a:t>8/14/2021</a:t>
             </a:fld>
             <a:endParaRPr lang="en-US" dirty="0"/>
           </a:p>
@@ -2206,7 +2206,7 @@
           <a:p>
             <a:fld id="{9B3762C0-B258-48F1-ADE6-176B4174CCDD}" type="datetimeFigureOut">
               <a:rPr lang="en-US" dirty="0"/>
-              <a:t>8/5/2021</a:t>
+              <a:t>8/14/2021</a:t>
             </a:fld>
             <a:endParaRPr lang="en-US" dirty="0"/>
           </a:p>
@@ -2319,7 +2319,7 @@
           <a:p>
             <a:fld id="{677919A6-33EB-49BD-A62F-1FA56B9F9712}" type="datetimeFigureOut">
               <a:rPr lang="en-US" dirty="0"/>
-              <a:t>8/5/2021</a:t>
+              <a:t>8/14/2021</a:t>
             </a:fld>
             <a:endParaRPr lang="en-US" dirty="0"/>
           </a:p>
@@ -2409,7 +2409,7 @@
           <a:p>
             <a:fld id="{CA4E7D1B-D673-4CF6-8672-009D42ABD2A0}" type="datetimeFigureOut">
               <a:rPr lang="en-US" dirty="0"/>
-              <a:t>8/5/2021</a:t>
+              <a:t>8/14/2021</a:t>
             </a:fld>
             <a:endParaRPr lang="en-US" dirty="0"/>
           </a:p>
@@ -2754,7 +2754,7 @@
           <a:p>
             <a:fld id="{DA16AA21-1863-4931-97CB-99D0A168701B}" type="datetimeFigureOut">
               <a:rPr lang="en-US" dirty="0"/>
-              <a:t>8/5/2021</a:t>
+              <a:t>8/14/2021</a:t>
             </a:fld>
             <a:endParaRPr lang="en-US" dirty="0"/>
           </a:p>
@@ -3174,7 +3174,7 @@
           <a:p>
             <a:fld id="{3772C379-9A7C-4C87-A116-CBE9F58B04C5}" type="datetimeFigureOut">
               <a:rPr lang="en-US" dirty="0"/>
-              <a:t>8/5/2021</a:t>
+              <a:t>8/14/2021</a:t>
             </a:fld>
             <a:endParaRPr lang="en-US" dirty="0"/>
           </a:p>
@@ -3450,7 +3450,7 @@
           <a:p>
             <a:fld id="{8664C608-40B1-4030-A28D-5B74BC98ADCE}" type="datetimeFigureOut">
               <a:rPr lang="en-US" dirty="0"/>
-              <a:t>8/5/2021</a:t>
+              <a:t>8/14/2021</a:t>
             </a:fld>
             <a:endParaRPr lang="en-US" dirty="0"/>
           </a:p>
@@ -4067,7 +4067,11 @@
           <a:p>
             <a:r>
               <a:rPr lang="en-US" dirty="0" smtClean="0"/>
-              <a:t>Three Amigos </a:t>
+              <a:t>Three </a:t>
+            </a:r>
+            <a:r>
+              <a:rPr lang="en-US" dirty="0" smtClean="0"/>
+              <a:t>Amigo’s </a:t>
             </a:r>
             <a:r>
               <a:rPr lang="en-US" dirty="0" smtClean="0"/>
@@ -17999,15 +18003,15 @@
             </a:pPr>
             <a:r>
               <a:rPr lang="en-US" dirty="0" smtClean="0"/>
-              <a:t>Three Amigos </a:t>
-            </a:r>
-            <a:r>
-              <a:rPr lang="en-US" dirty="0" smtClean="0"/>
-              <a:t>Health </a:t>
-            </a:r>
-            <a:r>
-              <a:rPr lang="en-US" dirty="0" smtClean="0"/>
-              <a:t>provides utilization management reviews for health care insurers. The insurers that employee TAH require providers to get approval before administering sleep studies, fertility treatments, or long-term care to their patients. This process helps ensure that the services are appropriate for the patient at the time.</a:t>
+              <a:t>Three </a:t>
+            </a:r>
+            <a:r>
+              <a:rPr lang="en-US" dirty="0" smtClean="0"/>
+              <a:t>Amigo’s </a:t>
+            </a:r>
+            <a:r>
+              <a:rPr lang="en-US" dirty="0" smtClean="0"/>
+              <a:t>Health provides utilization management reviews for health care insurers. The insurers that employee TAH require providers to get approval before administering sleep studies, fertility treatments, or long-term care to their patients. This process helps ensure that the services are appropriate for the patient at the time.</a:t>
             </a:r>
           </a:p>
           <a:p>

--- a/EdaWorkshop.pptx
+++ b/EdaWorkshop.pptx
@@ -26,13 +26,13 @@
     <p:sldId id="303" r:id="rId20"/>
     <p:sldId id="302" r:id="rId21"/>
     <p:sldId id="270" r:id="rId22"/>
-    <p:sldId id="324" r:id="rId23"/>
-    <p:sldId id="325" r:id="rId24"/>
-    <p:sldId id="265" r:id="rId25"/>
-    <p:sldId id="323" r:id="rId26"/>
-    <p:sldId id="264" r:id="rId27"/>
-    <p:sldId id="326" r:id="rId28"/>
-    <p:sldId id="271" r:id="rId29"/>
+    <p:sldId id="271" r:id="rId23"/>
+    <p:sldId id="324" r:id="rId24"/>
+    <p:sldId id="325" r:id="rId25"/>
+    <p:sldId id="265" r:id="rId26"/>
+    <p:sldId id="323" r:id="rId27"/>
+    <p:sldId id="264" r:id="rId28"/>
+    <p:sldId id="326" r:id="rId29"/>
     <p:sldId id="327" r:id="rId30"/>
     <p:sldId id="272" r:id="rId31"/>
     <p:sldId id="274" r:id="rId32"/>
@@ -572,7 +572,7 @@
           <a:p>
             <a:fld id="{83284890-85D2-4D7B-8EF5-15A9C1DB8F42}" type="datetimeFigureOut">
               <a:rPr lang="en-US" dirty="0"/>
-              <a:t>8/14/2021</a:t>
+              <a:t>9/6/2021</a:t>
             </a:fld>
             <a:endParaRPr lang="en-US" dirty="0"/>
           </a:p>
@@ -747,7 +747,7 @@
           <a:p>
             <a:fld id="{87157CC2-0FC8-4686-B024-99790E0F5162}" type="datetimeFigureOut">
               <a:rPr lang="en-US" dirty="0"/>
-              <a:t>8/14/2021</a:t>
+              <a:t>9/6/2021</a:t>
             </a:fld>
             <a:endParaRPr lang="en-US" dirty="0"/>
           </a:p>
@@ -922,7 +922,7 @@
           <a:p>
             <a:fld id="{F6764DA5-CD3D-4590-A511-FCD3BC7A793E}" type="datetimeFigureOut">
               <a:rPr lang="en-US" dirty="0"/>
-              <a:t>8/14/2021</a:t>
+              <a:t>9/6/2021</a:t>
             </a:fld>
             <a:endParaRPr lang="en-US" dirty="0"/>
           </a:p>
@@ -1087,7 +1087,7 @@
           <a:p>
             <a:fld id="{82F5661D-6934-4B32-B92C-470368BF1EC6}" type="datetimeFigureOut">
               <a:rPr lang="en-US" dirty="0"/>
-              <a:t>8/14/2021</a:t>
+              <a:t>9/6/2021</a:t>
             </a:fld>
             <a:endParaRPr lang="en-US" dirty="0"/>
           </a:p>
@@ -1395,7 +1395,7 @@
           <a:p>
             <a:fld id="{C6F822A4-8DA6-4447-9B1F-C5DB58435268}" type="datetimeFigureOut">
               <a:rPr lang="en-US" dirty="0"/>
-              <a:t>8/14/2021</a:t>
+              <a:t>9/6/2021</a:t>
             </a:fld>
             <a:endParaRPr lang="en-US" dirty="0"/>
           </a:p>
@@ -1777,7 +1777,7 @@
           <a:p>
             <a:fld id="{E548D31E-DCDA-41A7-9C67-C4B11B94D21D}" type="datetimeFigureOut">
               <a:rPr lang="en-US" dirty="0"/>
-              <a:t>8/14/2021</a:t>
+              <a:t>9/6/2021</a:t>
             </a:fld>
             <a:endParaRPr lang="en-US" dirty="0"/>
           </a:p>
@@ -2206,7 +2206,7 @@
           <a:p>
             <a:fld id="{9B3762C0-B258-48F1-ADE6-176B4174CCDD}" type="datetimeFigureOut">
               <a:rPr lang="en-US" dirty="0"/>
-              <a:t>8/14/2021</a:t>
+              <a:t>9/6/2021</a:t>
             </a:fld>
             <a:endParaRPr lang="en-US" dirty="0"/>
           </a:p>
@@ -2319,7 +2319,7 @@
           <a:p>
             <a:fld id="{677919A6-33EB-49BD-A62F-1FA56B9F9712}" type="datetimeFigureOut">
               <a:rPr lang="en-US" dirty="0"/>
-              <a:t>8/14/2021</a:t>
+              <a:t>9/6/2021</a:t>
             </a:fld>
             <a:endParaRPr lang="en-US" dirty="0"/>
           </a:p>
@@ -2409,7 +2409,7 @@
           <a:p>
             <a:fld id="{CA4E7D1B-D673-4CF6-8672-009D42ABD2A0}" type="datetimeFigureOut">
               <a:rPr lang="en-US" dirty="0"/>
-              <a:t>8/14/2021</a:t>
+              <a:t>9/6/2021</a:t>
             </a:fld>
             <a:endParaRPr lang="en-US" dirty="0"/>
           </a:p>
@@ -2754,7 +2754,7 @@
           <a:p>
             <a:fld id="{DA16AA21-1863-4931-97CB-99D0A168701B}" type="datetimeFigureOut">
               <a:rPr lang="en-US" dirty="0"/>
-              <a:t>8/14/2021</a:t>
+              <a:t>9/6/2021</a:t>
             </a:fld>
             <a:endParaRPr lang="en-US" dirty="0"/>
           </a:p>
@@ -3174,7 +3174,7 @@
           <a:p>
             <a:fld id="{3772C379-9A7C-4C87-A116-CBE9F58B04C5}" type="datetimeFigureOut">
               <a:rPr lang="en-US" dirty="0"/>
-              <a:t>8/14/2021</a:t>
+              <a:t>9/6/2021</a:t>
             </a:fld>
             <a:endParaRPr lang="en-US" dirty="0"/>
           </a:p>
@@ -3450,7 +3450,7 @@
           <a:p>
             <a:fld id="{8664C608-40B1-4030-A28D-5B74BC98ADCE}" type="datetimeFigureOut">
               <a:rPr lang="en-US" dirty="0"/>
-              <a:t>8/14/2021</a:t>
+              <a:t>9/6/2021</a:t>
             </a:fld>
             <a:endParaRPr lang="en-US" dirty="0"/>
           </a:p>
@@ -4040,7 +4040,11 @@
           <a:p>
             <a:r>
               <a:rPr lang="en-US" sz="6000" dirty="0" smtClean="0"/>
-              <a:t>event-driven architecture </a:t>
+              <a:t>event-driven </a:t>
+            </a:r>
+            <a:r>
+              <a:rPr lang="en-US" sz="6000" dirty="0" smtClean="0"/>
+              <a:t>architecture </a:t>
             </a:r>
             <a:r>
               <a:rPr lang="en-US" sz="6000" dirty="0" err="1" smtClean="0"/>
@@ -4067,15 +4071,7 @@
           <a:p>
             <a:r>
               <a:rPr lang="en-US" dirty="0" smtClean="0"/>
-              <a:t>Three </a:t>
-            </a:r>
-            <a:r>
-              <a:rPr lang="en-US" dirty="0" smtClean="0"/>
-              <a:t>Amigo’s </a:t>
-            </a:r>
-            <a:r>
-              <a:rPr lang="en-US" dirty="0" smtClean="0"/>
-              <a:t>Health</a:t>
+              <a:t>Three Amigo’s Health</a:t>
             </a:r>
             <a:endParaRPr lang="en-US" dirty="0"/>
           </a:p>
@@ -10529,7 +10525,7 @@
       </p:grpSpPr>
       <p:sp>
         <p:nvSpPr>
-          <p:cNvPr id="4" name="Title 3"/>
+          <p:cNvPr id="2" name="Title 1"/>
           <p:cNvSpPr>
             <a:spLocks noGrp="1"/>
           </p:cNvSpPr>
@@ -10544,15 +10540,15 @@
           <a:p>
             <a:r>
               <a:rPr lang="en-US" dirty="0" smtClean="0"/>
-              <a:t>User story 1</a:t>
-            </a:r>
-            <a:endParaRPr lang="en-US" dirty="0"/>
-          </a:p>
-        </p:txBody>
-      </p:sp>
-      <p:sp>
-        <p:nvSpPr>
-          <p:cNvPr id="5" name="Content Placeholder 4"/>
+              <a:t>Provider transfer service</a:t>
+            </a:r>
+            <a:endParaRPr lang="en-US" dirty="0"/>
+          </a:p>
+        </p:txBody>
+      </p:sp>
+      <p:sp>
+        <p:nvSpPr>
+          <p:cNvPr id="3" name="Content Placeholder 2"/>
           <p:cNvSpPr>
             <a:spLocks noGrp="1"/>
           </p:cNvSpPr>
@@ -10562,130 +10558,296 @@
         </p:nvSpPr>
         <p:spPr/>
         <p:txBody>
-          <a:bodyPr anchor="t">
-            <a:normAutofit fontScale="77500" lnSpcReduction="20000"/>
+          <a:bodyPr>
+            <a:normAutofit/>
           </a:bodyPr>
           <a:lstStyle/>
+          <a:p>
+            <a:r>
+              <a:rPr lang="en-US" dirty="0" smtClean="0"/>
+              <a:t>For this exercise, simulates incoming requests for service from providers</a:t>
+            </a:r>
+          </a:p>
+          <a:p>
+            <a:endParaRPr lang="en-US" dirty="0" smtClean="0"/>
+          </a:p>
+          <a:p>
+            <a:r>
+              <a:rPr lang="en-US" strike="sngStrike" dirty="0" smtClean="0"/>
+              <a:t>Implemented as an ASP.NET Core 5.0 Web Service that generates and sends requests at a specified interval</a:t>
+            </a:r>
+          </a:p>
+          <a:p>
+            <a:pPr lvl="1"/>
+            <a:r>
+              <a:rPr lang="en-US" strike="sngStrike" dirty="0" smtClean="0"/>
+              <a:t>Hosted on an Azure App Service</a:t>
+            </a:r>
+          </a:p>
+          <a:p>
+            <a:endParaRPr lang="en-US" dirty="0"/>
+          </a:p>
+          <a:p>
+            <a:r>
+              <a:rPr lang="en-US" dirty="0" smtClean="0"/>
+              <a:t>Requests are sent to a topic on the Azure Event Hub </a:t>
+            </a:r>
+            <a:r>
+              <a:rPr lang="en-US" i="1" dirty="0" err="1" smtClean="0"/>
+              <a:t>RequestReceived</a:t>
+            </a:r>
+            <a:r>
+              <a:rPr lang="en-US" dirty="0" smtClean="0"/>
+              <a:t> topic where they will be available to other components as an </a:t>
+            </a:r>
+            <a:r>
+              <a:rPr lang="en-US" b="1" i="1" dirty="0" smtClean="0"/>
+              <a:t>event stream</a:t>
+            </a:r>
+          </a:p>
           <a:p>
             <a:pPr marL="0" indent="0">
               <a:buNone/>
             </a:pPr>
-            <a:r>
-              <a:rPr lang="en-US" dirty="0" smtClean="0"/>
-              <a:t>As a TAH developer, I need all incoming requests for service to be available to all current and future components of the utilization management platform so that I can implement the features provided by TAH.</a:t>
-            </a:r>
-          </a:p>
-          <a:p>
-            <a:pPr marL="0" indent="0">
-              <a:buNone/>
+            <a:endParaRPr lang="en-US" dirty="0" smtClean="0"/>
+          </a:p>
+        </p:txBody>
+      </p:sp>
+      <p:sp>
+        <p:nvSpPr>
+          <p:cNvPr id="4" name="Rectangle 3"/>
+          <p:cNvSpPr/>
+          <p:nvPr/>
+        </p:nvSpPr>
+        <p:spPr>
+          <a:xfrm>
+            <a:off x="9415854" y="0"/>
+            <a:ext cx="2676698" cy="2137202"/>
+          </a:xfrm>
+          <a:prstGeom prst="rect">
+            <a:avLst/>
+          </a:prstGeom>
+          <a:solidFill>
+            <a:srgbClr val="FFFF00"/>
+          </a:solidFill>
+        </p:spPr>
+        <p:style>
+          <a:lnRef idx="2">
+            <a:schemeClr val="accent1">
+              <a:shade val="50000"/>
+            </a:schemeClr>
+          </a:lnRef>
+          <a:fillRef idx="1">
+            <a:schemeClr val="accent1"/>
+          </a:fillRef>
+          <a:effectRef idx="0">
+            <a:schemeClr val="accent1"/>
+          </a:effectRef>
+          <a:fontRef idx="minor">
+            <a:schemeClr val="lt1"/>
+          </a:fontRef>
+        </p:style>
+        <p:txBody>
+          <a:bodyPr rtlCol="0" anchor="t" anchorCtr="0"/>
+          <a:lstStyle/>
+          <a:p>
+            <a:r>
+              <a:rPr lang="en-US" sz="1050" dirty="0" smtClean="0">
+                <a:solidFill>
+                  <a:schemeClr val="tx1"/>
+                </a:solidFill>
+              </a:rPr>
+              <a:t>Prep</a:t>
+            </a:r>
+          </a:p>
+          <a:p>
+            <a:pPr marL="285750" indent="-285750">
+              <a:buFontTx/>
+              <a:buChar char="-"/>
             </a:pPr>
-            <a:endParaRPr lang="en-US" dirty="0"/>
-          </a:p>
-          <a:p>
-            <a:pPr marL="0" indent="0">
-              <a:buNone/>
+            <a:r>
+              <a:rPr lang="en-US" sz="1050" dirty="0" smtClean="0">
+                <a:solidFill>
+                  <a:schemeClr val="tx1"/>
+                </a:solidFill>
+              </a:rPr>
+              <a:t>Define request class</a:t>
+            </a:r>
+          </a:p>
+          <a:p>
+            <a:pPr marL="285750" indent="-285750">
+              <a:buFontTx/>
+              <a:buChar char="-"/>
             </a:pPr>
             <a:r>
-              <a:rPr lang="en-US" dirty="0" smtClean="0"/>
-              <a:t>Acceptance Criteria</a:t>
-            </a:r>
-          </a:p>
-          <a:p>
-            <a:pPr marL="457200" indent="-457200">
-              <a:buFont typeface="+mj-lt"/>
-              <a:buAutoNum type="arabicPeriod"/>
+              <a:rPr lang="en-US" sz="1050" dirty="0" smtClean="0">
+                <a:solidFill>
+                  <a:schemeClr val="tx1"/>
+                </a:solidFill>
+              </a:rPr>
+              <a:t>Request creator class</a:t>
+            </a:r>
+          </a:p>
+          <a:p>
+            <a:pPr marL="285750" indent="-285750">
+              <a:buFontTx/>
+              <a:buChar char="-"/>
             </a:pPr>
             <a:r>
-              <a:rPr lang="en-US" dirty="0" smtClean="0"/>
-              <a:t>Requests are available to current and future services within 10 seconds of arriving on the network</a:t>
-            </a:r>
-          </a:p>
-          <a:p>
-            <a:pPr marL="457200" indent="-457200">
-              <a:buFont typeface="+mj-lt"/>
-              <a:buAutoNum type="arabicPeriod"/>
+              <a:rPr lang="en-US" sz="1050" dirty="0" smtClean="0">
+                <a:solidFill>
+                  <a:schemeClr val="tx1"/>
+                </a:solidFill>
+              </a:rPr>
+              <a:t>Document creator class???</a:t>
+            </a:r>
+          </a:p>
+          <a:p>
+            <a:pPr marL="285750" indent="-285750">
+              <a:buFontTx/>
+              <a:buChar char="-"/>
             </a:pPr>
-            <a:r>
-              <a:rPr lang="en-US" dirty="0" smtClean="0"/>
-              <a:t>Consumers must be able to </a:t>
-            </a:r>
-            <a:r>
-              <a:rPr lang="en-US" dirty="0"/>
-              <a:t>receive the requests in the order they were received</a:t>
-            </a:r>
-          </a:p>
-          <a:p>
-            <a:pPr marL="457200" indent="-457200">
-              <a:buFont typeface="+mj-lt"/>
-              <a:buAutoNum type="arabicPeriod"/>
+            <a:endParaRPr lang="en-US" sz="1050" dirty="0">
+              <a:solidFill>
+                <a:schemeClr val="tx1"/>
+              </a:solidFill>
+            </a:endParaRPr>
+          </a:p>
+          <a:p>
+            <a:r>
+              <a:rPr lang="en-US" sz="1050" dirty="0" smtClean="0">
+                <a:solidFill>
+                  <a:schemeClr val="tx1"/>
+                </a:solidFill>
+              </a:rPr>
+              <a:t>In class</a:t>
+            </a:r>
+          </a:p>
+          <a:p>
+            <a:pPr marL="171450" indent="-171450">
+              <a:buFontTx/>
+              <a:buChar char="-"/>
             </a:pPr>
             <a:r>
-              <a:rPr lang="en-US" dirty="0" smtClean="0"/>
-              <a:t>Consumers should be able to </a:t>
-            </a:r>
-          </a:p>
-          <a:p>
-            <a:pPr marL="731520" lvl="1" indent="-457200">
-              <a:buFont typeface="+mj-lt"/>
-              <a:buAutoNum type="alphaLcPeriod"/>
+              <a:rPr lang="en-US" sz="1050" dirty="0" smtClean="0">
+                <a:solidFill>
+                  <a:schemeClr val="tx1"/>
+                </a:solidFill>
+              </a:rPr>
+              <a:t>Create timer function in VS</a:t>
+            </a:r>
+          </a:p>
+          <a:p>
+            <a:pPr marL="171450" indent="-171450">
+              <a:buFontTx/>
+              <a:buChar char="-"/>
             </a:pPr>
             <a:r>
-              <a:rPr lang="en-US" dirty="0" smtClean="0"/>
-              <a:t>receive requests asynchronously</a:t>
-            </a:r>
-          </a:p>
-          <a:p>
-            <a:pPr marL="731520" lvl="1" indent="-457200">
-              <a:buFont typeface="+mj-lt"/>
-              <a:buAutoNum type="alphaLcPeriod"/>
+              <a:rPr lang="en-US" sz="1050" dirty="0" smtClean="0">
+                <a:solidFill>
+                  <a:schemeClr val="tx1"/>
+                </a:solidFill>
+              </a:rPr>
+              <a:t>Call request creator</a:t>
+            </a:r>
+          </a:p>
+          <a:p>
+            <a:pPr marL="171450" indent="-171450">
+              <a:buFontTx/>
+              <a:buChar char="-"/>
             </a:pPr>
             <a:r>
-              <a:rPr lang="en-US" dirty="0" smtClean="0"/>
-              <a:t>replay previously received requests</a:t>
-            </a:r>
-          </a:p>
-          <a:p>
-            <a:pPr marL="457200" indent="-457200">
-              <a:buFont typeface="+mj-lt"/>
-              <a:buAutoNum type="arabicPeriod"/>
+              <a:rPr lang="en-US" sz="1050" dirty="0" smtClean="0">
+                <a:solidFill>
+                  <a:schemeClr val="tx1"/>
+                </a:solidFill>
+              </a:rPr>
+              <a:t>Send event to topic</a:t>
+            </a:r>
+          </a:p>
+          <a:p>
+            <a:pPr marL="171450" indent="-171450">
+              <a:buFontTx/>
+              <a:buChar char="-"/>
             </a:pPr>
             <a:r>
-              <a:rPr lang="en-US" dirty="0"/>
-              <a:t>System must be able to receive up to 10,000 incoming requests per </a:t>
-            </a:r>
-            <a:r>
-              <a:rPr lang="en-US" dirty="0" smtClean="0"/>
-              <a:t>minute</a:t>
-            </a:r>
-          </a:p>
-          <a:p>
-            <a:pPr marL="0" indent="0">
-              <a:buNone/>
+              <a:rPr lang="en-US" sz="1050" dirty="0" smtClean="0">
+                <a:solidFill>
+                  <a:schemeClr val="tx1"/>
+                </a:solidFill>
+              </a:rPr>
+              <a:t>Call creator???</a:t>
+            </a:r>
+          </a:p>
+          <a:p>
+            <a:pPr marL="171450" indent="-171450">
+              <a:buFontTx/>
+              <a:buChar char="-"/>
             </a:pPr>
-            <a:endParaRPr lang="en-US" dirty="0"/>
-          </a:p>
-          <a:p>
-            <a:pPr marL="0" indent="0">
-              <a:buNone/>
+            <a:r>
+              <a:rPr lang="en-US" sz="1050" dirty="0" smtClean="0">
+                <a:solidFill>
+                  <a:schemeClr val="tx1"/>
+                </a:solidFill>
+              </a:rPr>
+              <a:t>Call appeal??</a:t>
+            </a:r>
+          </a:p>
+          <a:p>
+            <a:pPr marL="171450" indent="-171450">
+              <a:buFontTx/>
+              <a:buChar char="-"/>
             </a:pPr>
             <a:r>
-              <a:rPr lang="en-US" dirty="0" smtClean="0"/>
-              <a:t>Implementation Notes</a:t>
-            </a:r>
-          </a:p>
-          <a:p>
-            <a:r>
-              <a:rPr lang="en-US" dirty="0" smtClean="0"/>
-              <a:t>We’ll simulate receiving requests by generating random requests</a:t>
-            </a:r>
-            <a:endParaRPr lang="en-US" dirty="0"/>
-          </a:p>
-        </p:txBody>
-      </p:sp>
+              <a:rPr lang="en-US" sz="1050" dirty="0" smtClean="0">
+                <a:solidFill>
+                  <a:schemeClr val="tx1"/>
+                </a:solidFill>
+              </a:rPr>
+              <a:t>Deploy function to Azure</a:t>
+            </a:r>
+          </a:p>
+          <a:p>
+            <a:pPr marL="285750" indent="-285750">
+              <a:buFontTx/>
+              <a:buChar char="-"/>
+            </a:pPr>
+            <a:endParaRPr lang="en-US" dirty="0">
+              <a:solidFill>
+                <a:schemeClr val="tx1"/>
+              </a:solidFill>
+            </a:endParaRPr>
+          </a:p>
+        </p:txBody>
+      </p:sp>
+      <p:pic>
+        <p:nvPicPr>
+          <p:cNvPr id="5" name="Picture 4"/>
+          <p:cNvPicPr>
+            <a:picLocks noChangeAspect="1"/>
+          </p:cNvPicPr>
+          <p:nvPr/>
+        </p:nvPicPr>
+        <p:blipFill>
+          <a:blip r:embed="rId2"/>
+          <a:stretch>
+            <a:fillRect/>
+          </a:stretch>
+        </p:blipFill>
+        <p:spPr>
+          <a:xfrm>
+            <a:off x="7312897" y="5170714"/>
+            <a:ext cx="3695700" cy="1219200"/>
+          </a:xfrm>
+          <a:prstGeom prst="rect">
+            <a:avLst/>
+          </a:prstGeom>
+        </p:spPr>
+      </p:pic>
     </p:spTree>
     <p:extLst>
       <p:ext uri="{BB962C8B-B14F-4D97-AF65-F5344CB8AC3E}">
-        <p14:creationId xmlns:p14="http://schemas.microsoft.com/office/powerpoint/2010/main" val="462923512"/>
+        <p14:creationId xmlns:p14="http://schemas.microsoft.com/office/powerpoint/2010/main" val="3626624777"/>
       </p:ext>
     </p:extLst>
   </p:cSld>
@@ -10714,7 +10876,7 @@
       </p:grpSpPr>
       <p:sp>
         <p:nvSpPr>
-          <p:cNvPr id="2" name="Title 1"/>
+          <p:cNvPr id="4" name="Title 3"/>
           <p:cNvSpPr>
             <a:spLocks noGrp="1"/>
           </p:cNvSpPr>
@@ -10729,15 +10891,15 @@
           <a:p>
             <a:r>
               <a:rPr lang="en-US" dirty="0" smtClean="0"/>
-              <a:t> user story 1: design</a:t>
-            </a:r>
-            <a:endParaRPr lang="en-US" dirty="0"/>
-          </a:p>
-        </p:txBody>
-      </p:sp>
-      <p:sp>
-        <p:nvSpPr>
-          <p:cNvPr id="3" name="Content Placeholder 2"/>
+              <a:t>User story 1</a:t>
+            </a:r>
+            <a:endParaRPr lang="en-US" dirty="0"/>
+          </a:p>
+        </p:txBody>
+      </p:sp>
+      <p:sp>
+        <p:nvSpPr>
+          <p:cNvPr id="5" name="Content Placeholder 4"/>
           <p:cNvSpPr>
             <a:spLocks noGrp="1"/>
           </p:cNvSpPr>
@@ -10747,7 +10909,9 @@
         </p:nvSpPr>
         <p:spPr/>
         <p:txBody>
-          <a:bodyPr/>
+          <a:bodyPr anchor="t">
+            <a:normAutofit fontScale="77500" lnSpcReduction="20000"/>
+          </a:bodyPr>
           <a:lstStyle/>
           <a:p>
             <a:pPr marL="0" indent="0">
@@ -10755,1457 +10919,120 @@
             </a:pPr>
             <a:r>
               <a:rPr lang="en-US" dirty="0" smtClean="0"/>
-              <a:t> </a:t>
-            </a:r>
-            <a:endParaRPr lang="en-US" dirty="0"/>
-          </a:p>
-        </p:txBody>
-      </p:sp>
-      <p:sp>
-        <p:nvSpPr>
-          <p:cNvPr id="4" name="Rectangle 3"/>
-          <p:cNvSpPr/>
-          <p:nvPr/>
-        </p:nvSpPr>
-        <p:spPr>
-          <a:xfrm>
-            <a:off x="673189" y="3929672"/>
-            <a:ext cx="1212783" cy="933650"/>
-          </a:xfrm>
-          <a:prstGeom prst="rect">
-            <a:avLst/>
-          </a:prstGeom>
-        </p:spPr>
-        <p:style>
-          <a:lnRef idx="2">
-            <a:schemeClr val="accent1">
-              <a:shade val="50000"/>
-            </a:schemeClr>
-          </a:lnRef>
-          <a:fillRef idx="1">
-            <a:schemeClr val="accent1"/>
-          </a:fillRef>
-          <a:effectRef idx="0">
-            <a:schemeClr val="accent1"/>
-          </a:effectRef>
-          <a:fontRef idx="minor">
-            <a:schemeClr val="lt1"/>
-          </a:fontRef>
-        </p:style>
-        <p:txBody>
-          <a:bodyPr rtlCol="0" anchor="ctr"/>
-          <a:lstStyle/>
-          <a:p>
-            <a:pPr algn="ctr"/>
-            <a:r>
-              <a:rPr lang="en-US" dirty="0" smtClean="0"/>
-              <a:t>Provider </a:t>
+              <a:t>As a TAH developer, I need all incoming requests for service to be available to all current and future components of the utilization management platform so that I can implement the features provided by TAH.</a:t>
+            </a:r>
+          </a:p>
+          <a:p>
+            <a:pPr marL="0" indent="0">
+              <a:buNone/>
+            </a:pPr>
+            <a:endParaRPr lang="en-US" dirty="0"/>
+          </a:p>
+          <a:p>
+            <a:pPr marL="0" indent="0">
+              <a:buNone/>
+            </a:pPr>
+            <a:r>
+              <a:rPr lang="en-US" dirty="0" smtClean="0"/>
+              <a:t>Acceptance Criteria</a:t>
+            </a:r>
+          </a:p>
+          <a:p>
+            <a:pPr marL="457200" indent="-457200">
+              <a:buFont typeface="+mj-lt"/>
+              <a:buAutoNum type="arabicPeriod"/>
+            </a:pPr>
+            <a:r>
+              <a:rPr lang="en-US" dirty="0" smtClean="0"/>
+              <a:t>Requests are available to current and future services within 10 seconds of arriving on the network</a:t>
+            </a:r>
+          </a:p>
+          <a:p>
+            <a:pPr marL="457200" indent="-457200">
+              <a:buFont typeface="+mj-lt"/>
+              <a:buAutoNum type="arabicPeriod"/>
+            </a:pPr>
+            <a:r>
+              <a:rPr lang="en-US" dirty="0" smtClean="0"/>
+              <a:t>Consumers must be able to </a:t>
             </a:r>
             <a:r>
               <a:rPr lang="en-US" dirty="0"/>
-              <a:t>Transfer Service</a:t>
-            </a:r>
-          </a:p>
-        </p:txBody>
-      </p:sp>
-      <p:sp>
-        <p:nvSpPr>
-          <p:cNvPr id="5" name="Rectangle 4"/>
-          <p:cNvSpPr/>
-          <p:nvPr/>
-        </p:nvSpPr>
-        <p:spPr>
-          <a:xfrm>
-            <a:off x="4597658" y="2121408"/>
-            <a:ext cx="1212783" cy="933650"/>
-          </a:xfrm>
-          <a:prstGeom prst="rect">
-            <a:avLst/>
-          </a:prstGeom>
-          <a:solidFill>
-            <a:schemeClr val="tx1">
-              <a:lumMod val="50000"/>
-              <a:lumOff val="50000"/>
-            </a:schemeClr>
-          </a:solidFill>
-          <a:ln>
-            <a:solidFill>
-              <a:schemeClr val="tx1">
-                <a:lumMod val="50000"/>
-                <a:lumOff val="50000"/>
-              </a:schemeClr>
-            </a:solidFill>
-          </a:ln>
-        </p:spPr>
-        <p:style>
-          <a:lnRef idx="2">
-            <a:schemeClr val="accent1">
-              <a:shade val="50000"/>
-            </a:schemeClr>
-          </a:lnRef>
-          <a:fillRef idx="1">
-            <a:schemeClr val="accent1"/>
-          </a:fillRef>
-          <a:effectRef idx="0">
-            <a:schemeClr val="accent1"/>
-          </a:effectRef>
-          <a:fontRef idx="minor">
-            <a:schemeClr val="lt1"/>
-          </a:fontRef>
-        </p:style>
-        <p:txBody>
-          <a:bodyPr rtlCol="0" anchor="ctr"/>
-          <a:lstStyle/>
-          <a:p>
-            <a:pPr algn="ctr"/>
-            <a:r>
-              <a:rPr lang="en-US" dirty="0" smtClean="0"/>
-              <a:t>Auto </a:t>
-            </a:r>
-            <a:r>
-              <a:rPr lang="en-US" dirty="0" err="1" smtClean="0"/>
-              <a:t>ApprovalService</a:t>
-            </a:r>
-            <a:endParaRPr lang="en-US" dirty="0"/>
-          </a:p>
-        </p:txBody>
-      </p:sp>
-      <p:sp>
-        <p:nvSpPr>
-          <p:cNvPr id="6" name="Can 5"/>
-          <p:cNvSpPr/>
-          <p:nvPr/>
-        </p:nvSpPr>
-        <p:spPr>
-          <a:xfrm rot="5400000">
-            <a:off x="7202935" y="1077330"/>
-            <a:ext cx="741145" cy="6676660"/>
-          </a:xfrm>
-          <a:prstGeom prst="can">
-            <a:avLst/>
-          </a:prstGeom>
-        </p:spPr>
-        <p:style>
-          <a:lnRef idx="2">
-            <a:schemeClr val="accent1">
-              <a:shade val="50000"/>
-            </a:schemeClr>
-          </a:lnRef>
-          <a:fillRef idx="1">
-            <a:schemeClr val="accent1"/>
-          </a:fillRef>
-          <a:effectRef idx="0">
-            <a:schemeClr val="accent1"/>
-          </a:effectRef>
-          <a:fontRef idx="minor">
-            <a:schemeClr val="lt1"/>
-          </a:fontRef>
-        </p:style>
-        <p:txBody>
-          <a:bodyPr vert="vert270" rtlCol="0" anchor="ctr"/>
-          <a:lstStyle/>
-          <a:p>
-            <a:pPr algn="ctr"/>
-            <a:r>
-              <a:rPr lang="en-US" dirty="0" smtClean="0"/>
-              <a:t>Message Bus</a:t>
-            </a:r>
-            <a:endParaRPr lang="en-US" dirty="0"/>
-          </a:p>
-        </p:txBody>
-      </p:sp>
-      <p:sp>
-        <p:nvSpPr>
-          <p:cNvPr id="7" name="Rectangle 6"/>
-          <p:cNvSpPr/>
-          <p:nvPr/>
-        </p:nvSpPr>
-        <p:spPr>
-          <a:xfrm>
-            <a:off x="8372402" y="2121408"/>
-            <a:ext cx="1212783" cy="933650"/>
-          </a:xfrm>
-          <a:prstGeom prst="rect">
-            <a:avLst/>
-          </a:prstGeom>
-          <a:solidFill>
-            <a:schemeClr val="tx1">
-              <a:lumMod val="50000"/>
-              <a:lumOff val="50000"/>
-            </a:schemeClr>
-          </a:solidFill>
-          <a:ln>
-            <a:solidFill>
-              <a:schemeClr val="tx1">
-                <a:lumMod val="50000"/>
-                <a:lumOff val="50000"/>
-              </a:schemeClr>
-            </a:solidFill>
-          </a:ln>
-        </p:spPr>
-        <p:style>
-          <a:lnRef idx="2">
-            <a:schemeClr val="accent1">
-              <a:shade val="50000"/>
-            </a:schemeClr>
-          </a:lnRef>
-          <a:fillRef idx="1">
-            <a:schemeClr val="accent1"/>
-          </a:fillRef>
-          <a:effectRef idx="0">
-            <a:schemeClr val="accent1"/>
-          </a:effectRef>
-          <a:fontRef idx="minor">
-            <a:schemeClr val="lt1"/>
-          </a:fontRef>
-        </p:style>
-        <p:txBody>
-          <a:bodyPr rtlCol="0" anchor="ctr"/>
-          <a:lstStyle/>
-          <a:p>
-            <a:pPr algn="ctr"/>
-            <a:r>
-              <a:rPr lang="en-US" dirty="0" smtClean="0"/>
-              <a:t>Routing Service</a:t>
-            </a:r>
-            <a:endParaRPr lang="en-US" dirty="0"/>
-          </a:p>
-        </p:txBody>
-      </p:sp>
-      <p:sp>
-        <p:nvSpPr>
-          <p:cNvPr id="8" name="Rectangle 7"/>
-          <p:cNvSpPr/>
-          <p:nvPr/>
-        </p:nvSpPr>
-        <p:spPr>
-          <a:xfrm>
-            <a:off x="6967115" y="5320618"/>
-            <a:ext cx="1212783" cy="933650"/>
-          </a:xfrm>
-          <a:prstGeom prst="rect">
-            <a:avLst/>
-          </a:prstGeom>
-          <a:solidFill>
-            <a:schemeClr val="tx1">
-              <a:lumMod val="50000"/>
-              <a:lumOff val="50000"/>
-            </a:schemeClr>
-          </a:solidFill>
-          <a:ln>
-            <a:solidFill>
-              <a:schemeClr val="tx1">
-                <a:lumMod val="50000"/>
-                <a:lumOff val="50000"/>
-              </a:schemeClr>
-            </a:solidFill>
-          </a:ln>
-        </p:spPr>
-        <p:style>
-          <a:lnRef idx="2">
-            <a:schemeClr val="accent1">
-              <a:shade val="50000"/>
-            </a:schemeClr>
-          </a:lnRef>
-          <a:fillRef idx="1">
-            <a:schemeClr val="accent1"/>
-          </a:fillRef>
-          <a:effectRef idx="0">
-            <a:schemeClr val="accent1"/>
-          </a:effectRef>
-          <a:fontRef idx="minor">
-            <a:schemeClr val="lt1"/>
-          </a:fontRef>
-        </p:style>
-        <p:txBody>
-          <a:bodyPr rtlCol="0" anchor="ctr"/>
-          <a:lstStyle/>
-          <a:p>
-            <a:pPr algn="ctr"/>
-            <a:r>
-              <a:rPr lang="en-US" dirty="0" smtClean="0"/>
-              <a:t>User Interface</a:t>
-            </a:r>
-            <a:endParaRPr lang="en-US" dirty="0"/>
-          </a:p>
-        </p:txBody>
-      </p:sp>
-      <p:sp>
-        <p:nvSpPr>
-          <p:cNvPr id="12" name="TextBox 11"/>
-          <p:cNvSpPr txBox="1"/>
-          <p:nvPr/>
-        </p:nvSpPr>
-        <p:spPr>
-          <a:xfrm>
-            <a:off x="2410219" y="3935414"/>
-            <a:ext cx="1239311" cy="230832"/>
-          </a:xfrm>
-          <a:prstGeom prst="rect">
-            <a:avLst/>
-          </a:prstGeom>
-          <a:noFill/>
-        </p:spPr>
-        <p:txBody>
-          <a:bodyPr wrap="square" rtlCol="0">
-            <a:spAutoFit/>
-          </a:bodyPr>
-          <a:lstStyle/>
-          <a:p>
-            <a:pPr algn="ctr"/>
-            <a:r>
-              <a:rPr lang="en-US" sz="900" dirty="0" smtClean="0"/>
-              <a:t>Request Received</a:t>
-            </a:r>
-            <a:endParaRPr lang="en-US" sz="900" dirty="0"/>
-          </a:p>
-        </p:txBody>
-      </p:sp>
-      <p:cxnSp>
-        <p:nvCxnSpPr>
-          <p:cNvPr id="18" name="Straight Arrow Connector 17"/>
-          <p:cNvCxnSpPr/>
-          <p:nvPr/>
-        </p:nvCxnSpPr>
-        <p:spPr>
-          <a:xfrm>
-            <a:off x="1885972" y="4101241"/>
-            <a:ext cx="2359818" cy="27221"/>
-          </a:xfrm>
-          <a:prstGeom prst="straightConnector1">
-            <a:avLst/>
-          </a:prstGeom>
-          <a:ln>
-            <a:tailEnd type="triangle"/>
-          </a:ln>
-        </p:spPr>
-        <p:style>
-          <a:lnRef idx="1">
-            <a:schemeClr val="accent1"/>
-          </a:lnRef>
-          <a:fillRef idx="0">
-            <a:schemeClr val="accent1"/>
-          </a:fillRef>
-          <a:effectRef idx="0">
-            <a:schemeClr val="accent1"/>
-          </a:effectRef>
-          <a:fontRef idx="minor">
-            <a:schemeClr val="tx1"/>
-          </a:fontRef>
-        </p:style>
-      </p:cxnSp>
-      <p:cxnSp>
-        <p:nvCxnSpPr>
-          <p:cNvPr id="20" name="Straight Arrow Connector 19"/>
-          <p:cNvCxnSpPr/>
-          <p:nvPr/>
-        </p:nvCxnSpPr>
-        <p:spPr>
-          <a:xfrm flipV="1">
-            <a:off x="4597658" y="3055058"/>
-            <a:ext cx="0" cy="990029"/>
-          </a:xfrm>
-          <a:prstGeom prst="straightConnector1">
-            <a:avLst/>
-          </a:prstGeom>
-          <a:ln>
-            <a:solidFill>
-              <a:schemeClr val="tx1">
-                <a:lumMod val="50000"/>
-                <a:lumOff val="50000"/>
-              </a:schemeClr>
-            </a:solidFill>
-            <a:tailEnd type="triangle"/>
-          </a:ln>
-        </p:spPr>
-        <p:style>
-          <a:lnRef idx="1">
-            <a:schemeClr val="accent1"/>
-          </a:lnRef>
-          <a:fillRef idx="0">
-            <a:schemeClr val="accent1"/>
-          </a:fillRef>
-          <a:effectRef idx="0">
-            <a:schemeClr val="accent1"/>
-          </a:effectRef>
-          <a:fontRef idx="minor">
-            <a:schemeClr val="tx1"/>
-          </a:fontRef>
-        </p:style>
-      </p:cxnSp>
-      <p:sp>
-        <p:nvSpPr>
-          <p:cNvPr id="21" name="TextBox 20"/>
-          <p:cNvSpPr txBox="1"/>
-          <p:nvPr/>
-        </p:nvSpPr>
-        <p:spPr>
-          <a:xfrm>
-            <a:off x="4256667" y="3166991"/>
-            <a:ext cx="699008" cy="369332"/>
-          </a:xfrm>
-          <a:prstGeom prst="rect">
-            <a:avLst/>
-          </a:prstGeom>
-          <a:noFill/>
-        </p:spPr>
-        <p:txBody>
-          <a:bodyPr wrap="square" rtlCol="0">
-            <a:spAutoFit/>
-          </a:bodyPr>
-          <a:lstStyle/>
-          <a:p>
-            <a:pPr algn="ctr"/>
-            <a:r>
-              <a:rPr lang="en-US" sz="900" dirty="0" smtClean="0"/>
-              <a:t>Request Received</a:t>
-            </a:r>
-            <a:endParaRPr lang="en-US" sz="900" dirty="0"/>
-          </a:p>
-        </p:txBody>
-      </p:sp>
-      <p:cxnSp>
-        <p:nvCxnSpPr>
-          <p:cNvPr id="24" name="Straight Arrow Connector 23"/>
-          <p:cNvCxnSpPr/>
-          <p:nvPr/>
-        </p:nvCxnSpPr>
-        <p:spPr>
-          <a:xfrm>
-            <a:off x="5084872" y="3055058"/>
-            <a:ext cx="0" cy="990029"/>
-          </a:xfrm>
-          <a:prstGeom prst="straightConnector1">
-            <a:avLst/>
-          </a:prstGeom>
-          <a:ln>
-            <a:solidFill>
-              <a:schemeClr val="tx1">
-                <a:lumMod val="50000"/>
-                <a:lumOff val="50000"/>
-              </a:schemeClr>
-            </a:solidFill>
-            <a:tailEnd type="triangle"/>
-          </a:ln>
-        </p:spPr>
-        <p:style>
-          <a:lnRef idx="1">
-            <a:schemeClr val="accent1"/>
-          </a:lnRef>
-          <a:fillRef idx="0">
-            <a:schemeClr val="accent1"/>
-          </a:fillRef>
-          <a:effectRef idx="0">
-            <a:schemeClr val="accent1"/>
-          </a:effectRef>
-          <a:fontRef idx="minor">
-            <a:schemeClr val="tx1"/>
-          </a:fontRef>
-        </p:style>
-      </p:cxnSp>
-      <p:sp>
-        <p:nvSpPr>
-          <p:cNvPr id="25" name="TextBox 24"/>
-          <p:cNvSpPr txBox="1"/>
-          <p:nvPr/>
-        </p:nvSpPr>
-        <p:spPr>
-          <a:xfrm>
-            <a:off x="4695913" y="3521846"/>
-            <a:ext cx="757877" cy="369332"/>
-          </a:xfrm>
-          <a:prstGeom prst="rect">
-            <a:avLst/>
-          </a:prstGeom>
-          <a:solidFill>
-            <a:schemeClr val="tx1">
-              <a:lumMod val="50000"/>
-              <a:lumOff val="50000"/>
-            </a:schemeClr>
-          </a:solidFill>
-          <a:ln>
-            <a:solidFill>
-              <a:schemeClr val="tx1">
-                <a:lumMod val="50000"/>
-                <a:lumOff val="50000"/>
-              </a:schemeClr>
-            </a:solidFill>
-          </a:ln>
-        </p:spPr>
-        <p:txBody>
-          <a:bodyPr wrap="square" rtlCol="0">
-            <a:spAutoFit/>
-          </a:bodyPr>
-          <a:lstStyle/>
-          <a:p>
-            <a:pPr algn="ctr"/>
-            <a:r>
-              <a:rPr lang="en-US" sz="900" dirty="0" smtClean="0"/>
-              <a:t>Request Decided</a:t>
-            </a:r>
-            <a:endParaRPr lang="en-US" sz="900" dirty="0"/>
-          </a:p>
-        </p:txBody>
-      </p:sp>
-      <p:cxnSp>
-        <p:nvCxnSpPr>
-          <p:cNvPr id="27" name="Straight Arrow Connector 26"/>
-          <p:cNvCxnSpPr/>
-          <p:nvPr/>
-        </p:nvCxnSpPr>
-        <p:spPr>
-          <a:xfrm>
-            <a:off x="5741819" y="3055058"/>
-            <a:ext cx="0" cy="990029"/>
-          </a:xfrm>
-          <a:prstGeom prst="straightConnector1">
-            <a:avLst/>
-          </a:prstGeom>
-          <a:ln>
-            <a:solidFill>
-              <a:schemeClr val="tx1">
-                <a:lumMod val="50000"/>
-                <a:lumOff val="50000"/>
-              </a:schemeClr>
-            </a:solidFill>
-            <a:tailEnd type="triangle"/>
-          </a:ln>
-        </p:spPr>
-        <p:style>
-          <a:lnRef idx="1">
-            <a:schemeClr val="accent1"/>
-          </a:lnRef>
-          <a:fillRef idx="0">
-            <a:schemeClr val="accent1"/>
-          </a:fillRef>
-          <a:effectRef idx="0">
-            <a:schemeClr val="accent1"/>
-          </a:effectRef>
-          <a:fontRef idx="minor">
-            <a:schemeClr val="tx1"/>
-          </a:fontRef>
-        </p:style>
-      </p:cxnSp>
-      <p:sp>
-        <p:nvSpPr>
-          <p:cNvPr id="28" name="TextBox 27"/>
-          <p:cNvSpPr txBox="1"/>
-          <p:nvPr/>
-        </p:nvSpPr>
-        <p:spPr>
-          <a:xfrm>
-            <a:off x="5398322" y="3097741"/>
-            <a:ext cx="757877" cy="507831"/>
-          </a:xfrm>
-          <a:prstGeom prst="rect">
-            <a:avLst/>
-          </a:prstGeom>
-          <a:solidFill>
-            <a:schemeClr val="tx1">
-              <a:lumMod val="50000"/>
-              <a:lumOff val="50000"/>
-            </a:schemeClr>
-          </a:solidFill>
-          <a:ln>
-            <a:solidFill>
-              <a:schemeClr val="tx1">
-                <a:lumMod val="50000"/>
-                <a:lumOff val="50000"/>
-              </a:schemeClr>
-            </a:solidFill>
-          </a:ln>
-        </p:spPr>
-        <p:txBody>
-          <a:bodyPr wrap="square" rtlCol="0">
-            <a:spAutoFit/>
-          </a:bodyPr>
-          <a:lstStyle/>
-          <a:p>
-            <a:pPr algn="ctr"/>
-            <a:r>
-              <a:rPr lang="en-US" sz="900" dirty="0" smtClean="0"/>
-              <a:t>Request Not Auto Approved</a:t>
-            </a:r>
-            <a:endParaRPr lang="en-US" sz="900" dirty="0"/>
-          </a:p>
-        </p:txBody>
-      </p:sp>
-      <p:sp>
-        <p:nvSpPr>
-          <p:cNvPr id="31" name="TextBox 30"/>
-          <p:cNvSpPr txBox="1"/>
-          <p:nvPr/>
-        </p:nvSpPr>
-        <p:spPr>
-          <a:xfrm>
-            <a:off x="7624603" y="2096250"/>
-            <a:ext cx="757877" cy="507831"/>
-          </a:xfrm>
-          <a:prstGeom prst="rect">
-            <a:avLst/>
-          </a:prstGeom>
-          <a:solidFill>
-            <a:schemeClr val="tx1">
-              <a:lumMod val="50000"/>
-              <a:lumOff val="50000"/>
-            </a:schemeClr>
-          </a:solidFill>
-          <a:ln>
-            <a:solidFill>
-              <a:schemeClr val="tx1">
-                <a:lumMod val="50000"/>
-                <a:lumOff val="50000"/>
-              </a:schemeClr>
-            </a:solidFill>
-          </a:ln>
-        </p:spPr>
-        <p:txBody>
-          <a:bodyPr wrap="square" rtlCol="0">
-            <a:spAutoFit/>
-          </a:bodyPr>
-          <a:lstStyle/>
-          <a:p>
-            <a:pPr algn="ctr"/>
-            <a:r>
-              <a:rPr lang="en-US" sz="900" dirty="0" smtClean="0"/>
-              <a:t>Request Not Auto Approved</a:t>
-            </a:r>
-            <a:endParaRPr lang="en-US" sz="900" dirty="0"/>
-          </a:p>
-        </p:txBody>
-      </p:sp>
-      <p:sp>
-        <p:nvSpPr>
-          <p:cNvPr id="35" name="TextBox 34"/>
-          <p:cNvSpPr txBox="1"/>
-          <p:nvPr/>
-        </p:nvSpPr>
-        <p:spPr>
-          <a:xfrm>
-            <a:off x="8000217" y="5200024"/>
-            <a:ext cx="1118606" cy="369332"/>
-          </a:xfrm>
-          <a:prstGeom prst="rect">
-            <a:avLst/>
-          </a:prstGeom>
-          <a:solidFill>
-            <a:schemeClr val="tx1">
-              <a:lumMod val="50000"/>
-              <a:lumOff val="50000"/>
-            </a:schemeClr>
-          </a:solidFill>
-          <a:ln>
-            <a:solidFill>
-              <a:schemeClr val="tx1">
-                <a:lumMod val="50000"/>
-                <a:lumOff val="50000"/>
-              </a:schemeClr>
-            </a:solidFill>
-          </a:ln>
-        </p:spPr>
-        <p:txBody>
-          <a:bodyPr wrap="square" rtlCol="0">
-            <a:spAutoFit/>
-          </a:bodyPr>
-          <a:lstStyle/>
-          <a:p>
-            <a:pPr algn="ctr"/>
-            <a:r>
-              <a:rPr lang="en-US" sz="900" dirty="0" smtClean="0"/>
-              <a:t>Get</a:t>
-            </a:r>
-          </a:p>
-          <a:p>
-            <a:pPr algn="ctr"/>
-            <a:r>
-              <a:rPr lang="en-US" sz="900" dirty="0" smtClean="0"/>
-              <a:t>Request</a:t>
-            </a:r>
-            <a:endParaRPr lang="en-US" sz="900" dirty="0"/>
-          </a:p>
-        </p:txBody>
-      </p:sp>
-      <p:sp>
-        <p:nvSpPr>
-          <p:cNvPr id="37" name="TextBox 36"/>
-          <p:cNvSpPr txBox="1"/>
-          <p:nvPr/>
-        </p:nvSpPr>
-        <p:spPr>
-          <a:xfrm>
-            <a:off x="8005393" y="3137584"/>
-            <a:ext cx="642983" cy="369332"/>
-          </a:xfrm>
-          <a:prstGeom prst="rect">
-            <a:avLst/>
-          </a:prstGeom>
-          <a:solidFill>
-            <a:schemeClr val="tx1">
-              <a:lumMod val="50000"/>
-              <a:lumOff val="50000"/>
-            </a:schemeClr>
-          </a:solidFill>
-          <a:ln>
-            <a:solidFill>
-              <a:schemeClr val="tx1">
-                <a:lumMod val="50000"/>
-                <a:lumOff val="50000"/>
-              </a:schemeClr>
-            </a:solidFill>
-          </a:ln>
-        </p:spPr>
-        <p:txBody>
-          <a:bodyPr wrap="square" rtlCol="0">
-            <a:spAutoFit/>
-          </a:bodyPr>
-          <a:lstStyle/>
-          <a:p>
-            <a:pPr algn="ctr"/>
-            <a:r>
-              <a:rPr lang="en-US" sz="900" dirty="0" smtClean="0"/>
-              <a:t>Get Request</a:t>
-            </a:r>
-            <a:endParaRPr lang="en-US" sz="900" dirty="0"/>
-          </a:p>
-        </p:txBody>
-      </p:sp>
-      <p:cxnSp>
-        <p:nvCxnSpPr>
-          <p:cNvPr id="38" name="Straight Arrow Connector 37"/>
-          <p:cNvCxnSpPr/>
-          <p:nvPr/>
-        </p:nvCxnSpPr>
-        <p:spPr>
-          <a:xfrm flipV="1">
-            <a:off x="9253282" y="3097742"/>
-            <a:ext cx="10410" cy="939228"/>
-          </a:xfrm>
-          <a:prstGeom prst="straightConnector1">
-            <a:avLst/>
-          </a:prstGeom>
-          <a:ln>
-            <a:solidFill>
-              <a:schemeClr val="tx1">
-                <a:lumMod val="50000"/>
-                <a:lumOff val="50000"/>
-              </a:schemeClr>
-            </a:solidFill>
-            <a:tailEnd type="triangle"/>
-          </a:ln>
-        </p:spPr>
-        <p:style>
-          <a:lnRef idx="1">
-            <a:schemeClr val="accent1"/>
-          </a:lnRef>
-          <a:fillRef idx="0">
-            <a:schemeClr val="accent1"/>
-          </a:fillRef>
-          <a:effectRef idx="0">
-            <a:schemeClr val="accent1"/>
-          </a:effectRef>
-          <a:fontRef idx="minor">
-            <a:schemeClr val="tx1"/>
-          </a:fontRef>
-        </p:style>
-      </p:cxnSp>
-      <p:sp>
-        <p:nvSpPr>
-          <p:cNvPr id="39" name="TextBox 38"/>
-          <p:cNvSpPr txBox="1"/>
-          <p:nvPr/>
-        </p:nvSpPr>
-        <p:spPr>
-          <a:xfrm>
-            <a:off x="9187328" y="3166990"/>
-            <a:ext cx="642983" cy="369332"/>
-          </a:xfrm>
-          <a:prstGeom prst="rect">
-            <a:avLst/>
-          </a:prstGeom>
-          <a:solidFill>
-            <a:schemeClr val="tx1">
-              <a:lumMod val="50000"/>
-              <a:lumOff val="50000"/>
-            </a:schemeClr>
-          </a:solidFill>
-          <a:ln>
-            <a:solidFill>
-              <a:schemeClr val="tx1">
-                <a:lumMod val="50000"/>
-                <a:lumOff val="50000"/>
-              </a:schemeClr>
-            </a:solidFill>
-          </a:ln>
-        </p:spPr>
-        <p:txBody>
-          <a:bodyPr wrap="square" rtlCol="0">
-            <a:spAutoFit/>
-          </a:bodyPr>
-          <a:lstStyle/>
-          <a:p>
-            <a:pPr algn="ctr"/>
-            <a:r>
-              <a:rPr lang="en-US" sz="900" dirty="0" smtClean="0"/>
-              <a:t>Request Decided</a:t>
-            </a:r>
-            <a:endParaRPr lang="en-US" sz="900" dirty="0"/>
-          </a:p>
-        </p:txBody>
-      </p:sp>
-      <p:sp>
-        <p:nvSpPr>
-          <p:cNvPr id="41" name="TextBox 40"/>
-          <p:cNvSpPr txBox="1"/>
-          <p:nvPr/>
-        </p:nvSpPr>
-        <p:spPr>
-          <a:xfrm>
-            <a:off x="8727059" y="5650502"/>
-            <a:ext cx="1118606" cy="369332"/>
-          </a:xfrm>
-          <a:prstGeom prst="rect">
-            <a:avLst/>
-          </a:prstGeom>
-          <a:solidFill>
-            <a:schemeClr val="tx1">
-              <a:lumMod val="50000"/>
-              <a:lumOff val="50000"/>
-            </a:schemeClr>
-          </a:solidFill>
-          <a:ln>
-            <a:solidFill>
-              <a:schemeClr val="tx1">
-                <a:lumMod val="50000"/>
-                <a:lumOff val="50000"/>
-              </a:schemeClr>
-            </a:solidFill>
-          </a:ln>
-        </p:spPr>
-        <p:txBody>
-          <a:bodyPr wrap="square" rtlCol="0">
-            <a:spAutoFit/>
-          </a:bodyPr>
-          <a:lstStyle/>
-          <a:p>
-            <a:pPr algn="ctr"/>
-            <a:r>
-              <a:rPr lang="en-US" sz="900" dirty="0" smtClean="0"/>
-              <a:t>Request</a:t>
-            </a:r>
-          </a:p>
-          <a:p>
-            <a:pPr algn="ctr"/>
-            <a:r>
-              <a:rPr lang="en-US" sz="900" dirty="0" smtClean="0"/>
-              <a:t>Decided</a:t>
-            </a:r>
-            <a:endParaRPr lang="en-US" sz="900" dirty="0"/>
-          </a:p>
-        </p:txBody>
-      </p:sp>
-      <p:sp>
-        <p:nvSpPr>
-          <p:cNvPr id="44" name="TextBox 43"/>
-          <p:cNvSpPr txBox="1"/>
-          <p:nvPr/>
-        </p:nvSpPr>
-        <p:spPr>
-          <a:xfrm>
-            <a:off x="9376325" y="2251201"/>
-            <a:ext cx="1229098" cy="369332"/>
-          </a:xfrm>
-          <a:prstGeom prst="rect">
-            <a:avLst/>
-          </a:prstGeom>
-          <a:solidFill>
-            <a:schemeClr val="tx1">
-              <a:lumMod val="50000"/>
-              <a:lumOff val="50000"/>
-            </a:schemeClr>
-          </a:solidFill>
-          <a:ln>
-            <a:solidFill>
-              <a:schemeClr val="tx1">
-                <a:lumMod val="50000"/>
-                <a:lumOff val="50000"/>
-              </a:schemeClr>
-            </a:solidFill>
-          </a:ln>
-        </p:spPr>
-        <p:txBody>
-          <a:bodyPr wrap="square" rtlCol="0">
-            <a:spAutoFit/>
-          </a:bodyPr>
-          <a:lstStyle/>
-          <a:p>
-            <a:pPr algn="ctr"/>
-            <a:r>
-              <a:rPr lang="en-US" sz="900" dirty="0" smtClean="0"/>
-              <a:t>Request</a:t>
-            </a:r>
-          </a:p>
-          <a:p>
-            <a:pPr algn="ctr"/>
-            <a:r>
-              <a:rPr lang="en-US" sz="900" dirty="0" smtClean="0"/>
-              <a:t>Assigned</a:t>
-            </a:r>
-            <a:endParaRPr lang="en-US" sz="900" dirty="0"/>
-          </a:p>
-        </p:txBody>
-      </p:sp>
-      <p:cxnSp>
-        <p:nvCxnSpPr>
-          <p:cNvPr id="70" name="Straight Arrow Connector 69"/>
-          <p:cNvCxnSpPr/>
-          <p:nvPr/>
-        </p:nvCxnSpPr>
-        <p:spPr>
-          <a:xfrm flipV="1">
-            <a:off x="8555850" y="3070468"/>
-            <a:ext cx="0" cy="966502"/>
-          </a:xfrm>
-          <a:prstGeom prst="straightConnector1">
-            <a:avLst/>
-          </a:prstGeom>
-          <a:ln>
-            <a:solidFill>
-              <a:schemeClr val="tx1">
-                <a:lumMod val="50000"/>
-                <a:lumOff val="50000"/>
-              </a:schemeClr>
-            </a:solidFill>
-            <a:tailEnd type="triangle"/>
-          </a:ln>
-        </p:spPr>
-        <p:style>
-          <a:lnRef idx="1">
-            <a:schemeClr val="accent1"/>
-          </a:lnRef>
-          <a:fillRef idx="0">
-            <a:schemeClr val="accent1"/>
-          </a:fillRef>
-          <a:effectRef idx="0">
-            <a:schemeClr val="accent1"/>
-          </a:effectRef>
-          <a:fontRef idx="minor">
-            <a:schemeClr val="tx1"/>
-          </a:fontRef>
-        </p:style>
-      </p:cxnSp>
-      <p:cxnSp>
-        <p:nvCxnSpPr>
-          <p:cNvPr id="95" name="Elbow Connector 94"/>
-          <p:cNvCxnSpPr>
-            <a:endCxn id="8" idx="1"/>
-          </p:cNvCxnSpPr>
-          <p:nvPr/>
-        </p:nvCxnSpPr>
-        <p:spPr>
-          <a:xfrm rot="16200000" flipH="1">
-            <a:off x="6164931" y="4985259"/>
-            <a:ext cx="985800" cy="618568"/>
-          </a:xfrm>
-          <a:prstGeom prst="bentConnector2">
-            <a:avLst/>
-          </a:prstGeom>
-          <a:ln>
-            <a:solidFill>
-              <a:schemeClr val="tx1">
-                <a:lumMod val="50000"/>
-                <a:lumOff val="50000"/>
-              </a:schemeClr>
-            </a:solidFill>
-            <a:tailEnd type="triangle"/>
-          </a:ln>
-        </p:spPr>
-        <p:style>
-          <a:lnRef idx="1">
-            <a:schemeClr val="accent1"/>
-          </a:lnRef>
-          <a:fillRef idx="0">
-            <a:schemeClr val="accent1"/>
-          </a:fillRef>
-          <a:effectRef idx="0">
-            <a:schemeClr val="accent1"/>
-          </a:effectRef>
-          <a:fontRef idx="minor">
-            <a:schemeClr val="tx1"/>
-          </a:fontRef>
-        </p:style>
-      </p:cxnSp>
-      <p:sp>
-        <p:nvSpPr>
-          <p:cNvPr id="99" name="TextBox 98"/>
-          <p:cNvSpPr txBox="1"/>
-          <p:nvPr/>
-        </p:nvSpPr>
-        <p:spPr>
-          <a:xfrm>
-            <a:off x="6011875" y="5440986"/>
-            <a:ext cx="1229098" cy="369332"/>
-          </a:xfrm>
-          <a:prstGeom prst="rect">
-            <a:avLst/>
-          </a:prstGeom>
-          <a:solidFill>
-            <a:schemeClr val="tx1">
-              <a:lumMod val="50000"/>
-              <a:lumOff val="50000"/>
-            </a:schemeClr>
-          </a:solidFill>
-          <a:ln>
-            <a:solidFill>
-              <a:schemeClr val="tx1">
-                <a:lumMod val="50000"/>
-                <a:lumOff val="50000"/>
-              </a:schemeClr>
-            </a:solidFill>
-          </a:ln>
-        </p:spPr>
-        <p:txBody>
-          <a:bodyPr wrap="square" rtlCol="0">
-            <a:spAutoFit/>
-          </a:bodyPr>
-          <a:lstStyle/>
-          <a:p>
-            <a:pPr algn="ctr"/>
-            <a:r>
-              <a:rPr lang="en-US" sz="900" dirty="0" smtClean="0"/>
-              <a:t>Request</a:t>
-            </a:r>
-          </a:p>
-          <a:p>
-            <a:pPr algn="ctr"/>
-            <a:r>
-              <a:rPr lang="en-US" sz="900" dirty="0" smtClean="0"/>
-              <a:t>Assigned</a:t>
-            </a:r>
-            <a:endParaRPr lang="en-US" sz="900" dirty="0"/>
-          </a:p>
-        </p:txBody>
-      </p:sp>
-      <p:cxnSp>
-        <p:nvCxnSpPr>
-          <p:cNvPr id="105" name="Elbow Connector 104"/>
-          <p:cNvCxnSpPr/>
-          <p:nvPr/>
-        </p:nvCxnSpPr>
-        <p:spPr>
-          <a:xfrm rot="5400000" flipH="1" flipV="1">
-            <a:off x="8178466" y="4831413"/>
-            <a:ext cx="754768" cy="719274"/>
-          </a:xfrm>
-          <a:prstGeom prst="bentConnector3">
-            <a:avLst>
-              <a:gd name="adj1" fmla="val 599"/>
-            </a:avLst>
-          </a:prstGeom>
-          <a:ln>
-            <a:solidFill>
-              <a:schemeClr val="tx1">
-                <a:lumMod val="50000"/>
-                <a:lumOff val="50000"/>
-              </a:schemeClr>
-            </a:solidFill>
-            <a:tailEnd type="triangle"/>
-          </a:ln>
-        </p:spPr>
-        <p:style>
-          <a:lnRef idx="1">
-            <a:schemeClr val="accent1"/>
-          </a:lnRef>
-          <a:fillRef idx="0">
-            <a:schemeClr val="accent1"/>
-          </a:fillRef>
-          <a:effectRef idx="0">
-            <a:schemeClr val="accent1"/>
-          </a:effectRef>
-          <a:fontRef idx="minor">
-            <a:schemeClr val="tx1"/>
-          </a:fontRef>
-        </p:style>
-      </p:cxnSp>
-      <p:cxnSp>
-        <p:nvCxnSpPr>
-          <p:cNvPr id="110" name="Elbow Connector 109"/>
-          <p:cNvCxnSpPr/>
-          <p:nvPr/>
-        </p:nvCxnSpPr>
-        <p:spPr>
-          <a:xfrm flipV="1">
-            <a:off x="8179898" y="4813665"/>
-            <a:ext cx="1394876" cy="1198052"/>
-          </a:xfrm>
-          <a:prstGeom prst="bentConnector3">
-            <a:avLst>
-              <a:gd name="adj1" fmla="val 99946"/>
-            </a:avLst>
-          </a:prstGeom>
-          <a:ln>
-            <a:solidFill>
-              <a:schemeClr val="tx1">
-                <a:lumMod val="50000"/>
-                <a:lumOff val="50000"/>
-              </a:schemeClr>
-            </a:solidFill>
-            <a:tailEnd type="triangle"/>
-          </a:ln>
-        </p:spPr>
-        <p:style>
-          <a:lnRef idx="1">
-            <a:schemeClr val="accent1"/>
-          </a:lnRef>
-          <a:fillRef idx="0">
-            <a:schemeClr val="accent1"/>
-          </a:fillRef>
-          <a:effectRef idx="0">
-            <a:schemeClr val="accent1"/>
-          </a:effectRef>
-          <a:fontRef idx="minor">
-            <a:schemeClr val="tx1"/>
-          </a:fontRef>
-        </p:style>
-      </p:cxnSp>
-      <p:sp>
-        <p:nvSpPr>
-          <p:cNvPr id="9" name="Cloud 8"/>
-          <p:cNvSpPr/>
-          <p:nvPr/>
-        </p:nvSpPr>
-        <p:spPr>
-          <a:xfrm>
-            <a:off x="332126" y="2090732"/>
-            <a:ext cx="1901904" cy="1216539"/>
-          </a:xfrm>
-          <a:prstGeom prst="cloud">
-            <a:avLst/>
-          </a:prstGeom>
-          <a:solidFill>
-            <a:srgbClr val="00B0F0"/>
-          </a:solidFill>
-        </p:spPr>
-        <p:style>
-          <a:lnRef idx="2">
-            <a:schemeClr val="accent1">
-              <a:shade val="50000"/>
-            </a:schemeClr>
-          </a:lnRef>
-          <a:fillRef idx="1">
-            <a:schemeClr val="accent1"/>
-          </a:fillRef>
-          <a:effectRef idx="0">
-            <a:schemeClr val="accent1"/>
-          </a:effectRef>
-          <a:fontRef idx="minor">
-            <a:schemeClr val="lt1"/>
-          </a:fontRef>
-        </p:style>
-        <p:txBody>
-          <a:bodyPr rtlCol="0" anchor="ctr"/>
-          <a:lstStyle/>
-          <a:p>
-            <a:pPr algn="ctr"/>
-            <a:r>
-              <a:rPr lang="en-US" dirty="0" smtClean="0">
-                <a:solidFill>
-                  <a:schemeClr val="tx1"/>
-                </a:solidFill>
-              </a:rPr>
-              <a:t>Providers</a:t>
-            </a:r>
-            <a:endParaRPr lang="en-US" dirty="0">
-              <a:solidFill>
-                <a:schemeClr val="tx1"/>
-              </a:solidFill>
-            </a:endParaRPr>
-          </a:p>
-        </p:txBody>
-      </p:sp>
-      <p:cxnSp>
-        <p:nvCxnSpPr>
-          <p:cNvPr id="14" name="Straight Arrow Connector 13"/>
-          <p:cNvCxnSpPr>
-            <a:stCxn id="9" idx="1"/>
-            <a:endCxn id="4" idx="0"/>
-          </p:cNvCxnSpPr>
-          <p:nvPr/>
-        </p:nvCxnSpPr>
-        <p:spPr>
-          <a:xfrm flipH="1">
-            <a:off x="1279581" y="3305976"/>
-            <a:ext cx="3497" cy="623696"/>
-          </a:xfrm>
-          <a:prstGeom prst="straightConnector1">
-            <a:avLst/>
-          </a:prstGeom>
-          <a:ln>
-            <a:headEnd type="triangle"/>
-            <a:tailEnd type="triangle"/>
-          </a:ln>
-        </p:spPr>
-        <p:style>
-          <a:lnRef idx="1">
-            <a:schemeClr val="accent1"/>
-          </a:lnRef>
-          <a:fillRef idx="0">
-            <a:schemeClr val="accent1"/>
-          </a:fillRef>
-          <a:effectRef idx="0">
-            <a:schemeClr val="accent1"/>
-          </a:effectRef>
-          <a:fontRef idx="minor">
-            <a:schemeClr val="tx1"/>
-          </a:fontRef>
-        </p:style>
-      </p:cxnSp>
-      <p:cxnSp>
-        <p:nvCxnSpPr>
-          <p:cNvPr id="19" name="Straight Arrow Connector 18"/>
-          <p:cNvCxnSpPr>
-            <a:stCxn id="4" idx="3"/>
-            <a:endCxn id="6" idx="3"/>
-          </p:cNvCxnSpPr>
-          <p:nvPr/>
-        </p:nvCxnSpPr>
-        <p:spPr>
-          <a:xfrm>
-            <a:off x="1885972" y="4396497"/>
-            <a:ext cx="2349206" cy="19164"/>
-          </a:xfrm>
-          <a:prstGeom prst="straightConnector1">
-            <a:avLst/>
-          </a:prstGeom>
-          <a:ln>
-            <a:solidFill>
-              <a:schemeClr val="tx1">
-                <a:lumMod val="50000"/>
-                <a:lumOff val="50000"/>
-              </a:schemeClr>
-            </a:solidFill>
-            <a:headEnd type="triangle"/>
-            <a:tailEnd type="none"/>
-          </a:ln>
-        </p:spPr>
-        <p:style>
-          <a:lnRef idx="1">
-            <a:schemeClr val="accent1"/>
-          </a:lnRef>
-          <a:fillRef idx="0">
-            <a:schemeClr val="accent1"/>
-          </a:fillRef>
-          <a:effectRef idx="0">
-            <a:schemeClr val="accent1"/>
-          </a:effectRef>
-          <a:fontRef idx="minor">
-            <a:schemeClr val="tx1"/>
-          </a:fontRef>
-        </p:style>
-      </p:cxnSp>
-      <p:cxnSp>
-        <p:nvCxnSpPr>
-          <p:cNvPr id="48" name="Straight Arrow Connector 47"/>
-          <p:cNvCxnSpPr/>
-          <p:nvPr/>
-        </p:nvCxnSpPr>
-        <p:spPr>
-          <a:xfrm>
-            <a:off x="1885972" y="4748534"/>
-            <a:ext cx="2377619" cy="12763"/>
-          </a:xfrm>
-          <a:prstGeom prst="straightConnector1">
-            <a:avLst/>
-          </a:prstGeom>
-          <a:ln>
-            <a:solidFill>
-              <a:schemeClr val="tx1">
-                <a:lumMod val="50000"/>
-                <a:lumOff val="50000"/>
-              </a:schemeClr>
-            </a:solidFill>
-            <a:headEnd type="triangle"/>
-            <a:tailEnd type="none"/>
-          </a:ln>
-        </p:spPr>
-        <p:style>
-          <a:lnRef idx="1">
-            <a:schemeClr val="accent1"/>
-          </a:lnRef>
-          <a:fillRef idx="0">
-            <a:schemeClr val="accent1"/>
-          </a:fillRef>
-          <a:effectRef idx="0">
-            <a:schemeClr val="accent1"/>
-          </a:effectRef>
-          <a:fontRef idx="minor">
-            <a:schemeClr val="tx1"/>
-          </a:fontRef>
-        </p:style>
-      </p:cxnSp>
-      <p:sp>
-        <p:nvSpPr>
-          <p:cNvPr id="53" name="TextBox 52"/>
-          <p:cNvSpPr txBox="1"/>
-          <p:nvPr/>
-        </p:nvSpPr>
-        <p:spPr>
-          <a:xfrm>
-            <a:off x="2276963" y="4224635"/>
-            <a:ext cx="1505822" cy="230832"/>
-          </a:xfrm>
-          <a:prstGeom prst="rect">
-            <a:avLst/>
-          </a:prstGeom>
-          <a:noFill/>
-          <a:ln>
-            <a:solidFill>
-              <a:schemeClr val="tx1">
-                <a:lumMod val="50000"/>
-                <a:lumOff val="50000"/>
-              </a:schemeClr>
-            </a:solidFill>
-          </a:ln>
-        </p:spPr>
-        <p:txBody>
-          <a:bodyPr wrap="square" rtlCol="0">
-            <a:spAutoFit/>
-          </a:bodyPr>
-          <a:lstStyle/>
-          <a:p>
-            <a:pPr algn="ctr"/>
-            <a:r>
-              <a:rPr lang="en-US" sz="900" dirty="0" smtClean="0"/>
-              <a:t>Request Auto Approved</a:t>
-            </a:r>
-            <a:endParaRPr lang="en-US" sz="900" dirty="0"/>
-          </a:p>
-        </p:txBody>
-      </p:sp>
-      <p:sp>
-        <p:nvSpPr>
-          <p:cNvPr id="54" name="TextBox 53"/>
-          <p:cNvSpPr txBox="1"/>
-          <p:nvPr/>
-        </p:nvSpPr>
-        <p:spPr>
-          <a:xfrm>
-            <a:off x="2428109" y="4582833"/>
-            <a:ext cx="1203529" cy="230832"/>
-          </a:xfrm>
-          <a:prstGeom prst="rect">
-            <a:avLst/>
-          </a:prstGeom>
-          <a:noFill/>
-          <a:ln>
-            <a:solidFill>
-              <a:schemeClr val="tx1">
-                <a:lumMod val="50000"/>
-                <a:lumOff val="50000"/>
-              </a:schemeClr>
-            </a:solidFill>
-          </a:ln>
-        </p:spPr>
-        <p:txBody>
-          <a:bodyPr wrap="square" rtlCol="0">
-            <a:spAutoFit/>
-          </a:bodyPr>
-          <a:lstStyle/>
-          <a:p>
-            <a:pPr algn="ctr"/>
-            <a:r>
-              <a:rPr lang="en-US" sz="900" dirty="0" smtClean="0"/>
-              <a:t>Request Decided</a:t>
-            </a:r>
-            <a:endParaRPr lang="en-US" sz="900" dirty="0"/>
-          </a:p>
-        </p:txBody>
-      </p:sp>
-      <p:cxnSp>
-        <p:nvCxnSpPr>
-          <p:cNvPr id="58" name="Elbow Connector 57"/>
-          <p:cNvCxnSpPr>
-            <a:endCxn id="7" idx="1"/>
-          </p:cNvCxnSpPr>
-          <p:nvPr/>
-        </p:nvCxnSpPr>
-        <p:spPr>
-          <a:xfrm rot="5400000" flipH="1" flipV="1">
-            <a:off x="7323999" y="2996684"/>
-            <a:ext cx="1456854" cy="639952"/>
-          </a:xfrm>
-          <a:prstGeom prst="bentConnector2">
-            <a:avLst/>
-          </a:prstGeom>
-          <a:ln>
-            <a:solidFill>
-              <a:schemeClr val="tx1">
-                <a:lumMod val="50000"/>
-                <a:lumOff val="50000"/>
-              </a:schemeClr>
-            </a:solidFill>
-            <a:tailEnd type="triangle"/>
-          </a:ln>
-        </p:spPr>
-        <p:style>
-          <a:lnRef idx="1">
-            <a:schemeClr val="accent1"/>
-          </a:lnRef>
-          <a:fillRef idx="0">
-            <a:schemeClr val="accent1"/>
-          </a:fillRef>
-          <a:effectRef idx="0">
-            <a:schemeClr val="accent1"/>
-          </a:effectRef>
-          <a:fontRef idx="minor">
-            <a:schemeClr val="tx1"/>
-          </a:fontRef>
-        </p:style>
-      </p:cxnSp>
-      <p:cxnSp>
-        <p:nvCxnSpPr>
-          <p:cNvPr id="68" name="Elbow Connector 67"/>
-          <p:cNvCxnSpPr>
-            <a:stCxn id="7" idx="3"/>
-          </p:cNvCxnSpPr>
-          <p:nvPr/>
-        </p:nvCxnSpPr>
-        <p:spPr>
-          <a:xfrm>
-            <a:off x="9585185" y="2588233"/>
-            <a:ext cx="810566" cy="1441444"/>
-          </a:xfrm>
-          <a:prstGeom prst="bentConnector2">
-            <a:avLst/>
-          </a:prstGeom>
-          <a:ln>
-            <a:solidFill>
-              <a:schemeClr val="tx1">
-                <a:lumMod val="50000"/>
-                <a:lumOff val="50000"/>
-              </a:schemeClr>
-            </a:solidFill>
-            <a:tailEnd type="triangle"/>
-          </a:ln>
-        </p:spPr>
-        <p:style>
-          <a:lnRef idx="1">
-            <a:schemeClr val="accent1"/>
-          </a:lnRef>
-          <a:fillRef idx="0">
-            <a:schemeClr val="accent1"/>
-          </a:fillRef>
-          <a:effectRef idx="0">
-            <a:schemeClr val="accent1"/>
-          </a:effectRef>
-          <a:fontRef idx="minor">
-            <a:schemeClr val="tx1"/>
-          </a:fontRef>
-        </p:style>
-      </p:cxnSp>
+              <a:t>receive the requests in the order they were received</a:t>
+            </a:r>
+          </a:p>
+          <a:p>
+            <a:pPr marL="457200" indent="-457200">
+              <a:buFont typeface="+mj-lt"/>
+              <a:buAutoNum type="arabicPeriod"/>
+            </a:pPr>
+            <a:r>
+              <a:rPr lang="en-US" dirty="0" smtClean="0"/>
+              <a:t>Consumers should be able to </a:t>
+            </a:r>
+          </a:p>
+          <a:p>
+            <a:pPr marL="731520" lvl="1" indent="-457200">
+              <a:buFont typeface="+mj-lt"/>
+              <a:buAutoNum type="alphaLcPeriod"/>
+            </a:pPr>
+            <a:r>
+              <a:rPr lang="en-US" dirty="0" smtClean="0"/>
+              <a:t>receive requests asynchronously</a:t>
+            </a:r>
+          </a:p>
+          <a:p>
+            <a:pPr marL="731520" lvl="1" indent="-457200">
+              <a:buFont typeface="+mj-lt"/>
+              <a:buAutoNum type="alphaLcPeriod"/>
+            </a:pPr>
+            <a:r>
+              <a:rPr lang="en-US" dirty="0" smtClean="0"/>
+              <a:t>replay previously received requests</a:t>
+            </a:r>
+          </a:p>
+          <a:p>
+            <a:pPr marL="457200" indent="-457200">
+              <a:buFont typeface="+mj-lt"/>
+              <a:buAutoNum type="arabicPeriod"/>
+            </a:pPr>
+            <a:r>
+              <a:rPr lang="en-US" dirty="0"/>
+              <a:t>System must be able to receive up to 10,000 incoming requests per </a:t>
+            </a:r>
+            <a:r>
+              <a:rPr lang="en-US" dirty="0" smtClean="0"/>
+              <a:t>minute</a:t>
+            </a:r>
+          </a:p>
+          <a:p>
+            <a:pPr marL="0" indent="0">
+              <a:buNone/>
+            </a:pPr>
+            <a:endParaRPr lang="en-US" dirty="0"/>
+          </a:p>
+          <a:p>
+            <a:pPr marL="0" indent="0">
+              <a:buNone/>
+            </a:pPr>
+            <a:r>
+              <a:rPr lang="en-US" dirty="0" smtClean="0"/>
+              <a:t>Implementation Notes</a:t>
+            </a:r>
+          </a:p>
+          <a:p>
+            <a:r>
+              <a:rPr lang="en-US" dirty="0" smtClean="0"/>
+              <a:t>We’ll simulate receiving requests by generating random requests</a:t>
+            </a:r>
+            <a:endParaRPr lang="en-US" dirty="0"/>
+          </a:p>
+        </p:txBody>
+      </p:sp>
     </p:spTree>
     <p:extLst>
       <p:ext uri="{BB962C8B-B14F-4D97-AF65-F5344CB8AC3E}">
-        <p14:creationId xmlns:p14="http://schemas.microsoft.com/office/powerpoint/2010/main" val="493342189"/>
+        <p14:creationId xmlns:p14="http://schemas.microsoft.com/office/powerpoint/2010/main" val="462923512"/>
       </p:ext>
     </p:extLst>
   </p:cSld>
@@ -12249,7 +11076,7 @@
           <a:p>
             <a:r>
               <a:rPr lang="en-US" dirty="0" smtClean="0"/>
-              <a:t>Azure event Hub</a:t>
+              <a:t> user story 1: design</a:t>
             </a:r>
             <a:endParaRPr lang="en-US" dirty="0"/>
           </a:p>
@@ -12267,138 +11094,1465 @@
         </p:nvSpPr>
         <p:spPr/>
         <p:txBody>
-          <a:bodyPr>
-            <a:normAutofit fontScale="85000" lnSpcReduction="20000"/>
+          <a:bodyPr/>
+          <a:lstStyle/>
+          <a:p>
+            <a:pPr marL="0" indent="0">
+              <a:buNone/>
+            </a:pPr>
+            <a:r>
+              <a:rPr lang="en-US" dirty="0" smtClean="0"/>
+              <a:t> </a:t>
+            </a:r>
+            <a:endParaRPr lang="en-US" dirty="0"/>
+          </a:p>
+        </p:txBody>
+      </p:sp>
+      <p:sp>
+        <p:nvSpPr>
+          <p:cNvPr id="4" name="Rectangle 3"/>
+          <p:cNvSpPr/>
+          <p:nvPr/>
+        </p:nvSpPr>
+        <p:spPr>
+          <a:xfrm>
+            <a:off x="673189" y="3929672"/>
+            <a:ext cx="1212783" cy="933650"/>
+          </a:xfrm>
+          <a:prstGeom prst="rect">
+            <a:avLst/>
+          </a:prstGeom>
+        </p:spPr>
+        <p:style>
+          <a:lnRef idx="2">
+            <a:schemeClr val="accent1">
+              <a:shade val="50000"/>
+            </a:schemeClr>
+          </a:lnRef>
+          <a:fillRef idx="1">
+            <a:schemeClr val="accent1"/>
+          </a:fillRef>
+          <a:effectRef idx="0">
+            <a:schemeClr val="accent1"/>
+          </a:effectRef>
+          <a:fontRef idx="minor">
+            <a:schemeClr val="lt1"/>
+          </a:fontRef>
+        </p:style>
+        <p:txBody>
+          <a:bodyPr rtlCol="0" anchor="ctr"/>
+          <a:lstStyle/>
+          <a:p>
+            <a:pPr algn="ctr"/>
+            <a:r>
+              <a:rPr lang="en-US" dirty="0" smtClean="0"/>
+              <a:t>Provider </a:t>
+            </a:r>
+            <a:r>
+              <a:rPr lang="en-US" dirty="0"/>
+              <a:t>Transfer Service</a:t>
+            </a:r>
+          </a:p>
+        </p:txBody>
+      </p:sp>
+      <p:sp>
+        <p:nvSpPr>
+          <p:cNvPr id="5" name="Rectangle 4"/>
+          <p:cNvSpPr/>
+          <p:nvPr/>
+        </p:nvSpPr>
+        <p:spPr>
+          <a:xfrm>
+            <a:off x="4597658" y="2121408"/>
+            <a:ext cx="1212783" cy="933650"/>
+          </a:xfrm>
+          <a:prstGeom prst="rect">
+            <a:avLst/>
+          </a:prstGeom>
+          <a:solidFill>
+            <a:schemeClr val="tx1">
+              <a:lumMod val="50000"/>
+              <a:lumOff val="50000"/>
+            </a:schemeClr>
+          </a:solidFill>
+          <a:ln>
+            <a:solidFill>
+              <a:schemeClr val="tx1">
+                <a:lumMod val="50000"/>
+                <a:lumOff val="50000"/>
+              </a:schemeClr>
+            </a:solidFill>
+          </a:ln>
+        </p:spPr>
+        <p:style>
+          <a:lnRef idx="2">
+            <a:schemeClr val="accent1">
+              <a:shade val="50000"/>
+            </a:schemeClr>
+          </a:lnRef>
+          <a:fillRef idx="1">
+            <a:schemeClr val="accent1"/>
+          </a:fillRef>
+          <a:effectRef idx="0">
+            <a:schemeClr val="accent1"/>
+          </a:effectRef>
+          <a:fontRef idx="minor">
+            <a:schemeClr val="lt1"/>
+          </a:fontRef>
+        </p:style>
+        <p:txBody>
+          <a:bodyPr rtlCol="0" anchor="ctr"/>
+          <a:lstStyle/>
+          <a:p>
+            <a:pPr algn="ctr"/>
+            <a:r>
+              <a:rPr lang="en-US" dirty="0" smtClean="0"/>
+              <a:t>Auto </a:t>
+            </a:r>
+            <a:r>
+              <a:rPr lang="en-US" dirty="0" err="1" smtClean="0"/>
+              <a:t>ApprovalService</a:t>
+            </a:r>
+            <a:endParaRPr lang="en-US" dirty="0"/>
+          </a:p>
+        </p:txBody>
+      </p:sp>
+      <p:sp>
+        <p:nvSpPr>
+          <p:cNvPr id="6" name="Can 5"/>
+          <p:cNvSpPr/>
+          <p:nvPr/>
+        </p:nvSpPr>
+        <p:spPr>
+          <a:xfrm rot="5400000">
+            <a:off x="7202935" y="1077330"/>
+            <a:ext cx="741145" cy="6676660"/>
+          </a:xfrm>
+          <a:prstGeom prst="can">
+            <a:avLst/>
+          </a:prstGeom>
+        </p:spPr>
+        <p:style>
+          <a:lnRef idx="2">
+            <a:schemeClr val="accent1">
+              <a:shade val="50000"/>
+            </a:schemeClr>
+          </a:lnRef>
+          <a:fillRef idx="1">
+            <a:schemeClr val="accent1"/>
+          </a:fillRef>
+          <a:effectRef idx="0">
+            <a:schemeClr val="accent1"/>
+          </a:effectRef>
+          <a:fontRef idx="minor">
+            <a:schemeClr val="lt1"/>
+          </a:fontRef>
+        </p:style>
+        <p:txBody>
+          <a:bodyPr vert="vert270" rtlCol="0" anchor="ctr"/>
+          <a:lstStyle/>
+          <a:p>
+            <a:pPr algn="ctr"/>
+            <a:r>
+              <a:rPr lang="en-US" dirty="0" smtClean="0"/>
+              <a:t>Message Bus</a:t>
+            </a:r>
+            <a:endParaRPr lang="en-US" dirty="0"/>
+          </a:p>
+        </p:txBody>
+      </p:sp>
+      <p:sp>
+        <p:nvSpPr>
+          <p:cNvPr id="7" name="Rectangle 6"/>
+          <p:cNvSpPr/>
+          <p:nvPr/>
+        </p:nvSpPr>
+        <p:spPr>
+          <a:xfrm>
+            <a:off x="8372402" y="2121408"/>
+            <a:ext cx="1212783" cy="933650"/>
+          </a:xfrm>
+          <a:prstGeom prst="rect">
+            <a:avLst/>
+          </a:prstGeom>
+          <a:solidFill>
+            <a:schemeClr val="tx1">
+              <a:lumMod val="50000"/>
+              <a:lumOff val="50000"/>
+            </a:schemeClr>
+          </a:solidFill>
+          <a:ln>
+            <a:solidFill>
+              <a:schemeClr val="tx1">
+                <a:lumMod val="50000"/>
+                <a:lumOff val="50000"/>
+              </a:schemeClr>
+            </a:solidFill>
+          </a:ln>
+        </p:spPr>
+        <p:style>
+          <a:lnRef idx="2">
+            <a:schemeClr val="accent1">
+              <a:shade val="50000"/>
+            </a:schemeClr>
+          </a:lnRef>
+          <a:fillRef idx="1">
+            <a:schemeClr val="accent1"/>
+          </a:fillRef>
+          <a:effectRef idx="0">
+            <a:schemeClr val="accent1"/>
+          </a:effectRef>
+          <a:fontRef idx="minor">
+            <a:schemeClr val="lt1"/>
+          </a:fontRef>
+        </p:style>
+        <p:txBody>
+          <a:bodyPr rtlCol="0" anchor="ctr"/>
+          <a:lstStyle/>
+          <a:p>
+            <a:pPr algn="ctr"/>
+            <a:r>
+              <a:rPr lang="en-US" dirty="0" smtClean="0"/>
+              <a:t>Routing Service</a:t>
+            </a:r>
+            <a:endParaRPr lang="en-US" dirty="0"/>
+          </a:p>
+        </p:txBody>
+      </p:sp>
+      <p:sp>
+        <p:nvSpPr>
+          <p:cNvPr id="8" name="Rectangle 7"/>
+          <p:cNvSpPr/>
+          <p:nvPr/>
+        </p:nvSpPr>
+        <p:spPr>
+          <a:xfrm>
+            <a:off x="6967115" y="5320618"/>
+            <a:ext cx="1212783" cy="933650"/>
+          </a:xfrm>
+          <a:prstGeom prst="rect">
+            <a:avLst/>
+          </a:prstGeom>
+          <a:solidFill>
+            <a:schemeClr val="tx1">
+              <a:lumMod val="50000"/>
+              <a:lumOff val="50000"/>
+            </a:schemeClr>
+          </a:solidFill>
+          <a:ln>
+            <a:solidFill>
+              <a:schemeClr val="tx1">
+                <a:lumMod val="50000"/>
+                <a:lumOff val="50000"/>
+              </a:schemeClr>
+            </a:solidFill>
+          </a:ln>
+        </p:spPr>
+        <p:style>
+          <a:lnRef idx="2">
+            <a:schemeClr val="accent1">
+              <a:shade val="50000"/>
+            </a:schemeClr>
+          </a:lnRef>
+          <a:fillRef idx="1">
+            <a:schemeClr val="accent1"/>
+          </a:fillRef>
+          <a:effectRef idx="0">
+            <a:schemeClr val="accent1"/>
+          </a:effectRef>
+          <a:fontRef idx="minor">
+            <a:schemeClr val="lt1"/>
+          </a:fontRef>
+        </p:style>
+        <p:txBody>
+          <a:bodyPr rtlCol="0" anchor="ctr"/>
+          <a:lstStyle/>
+          <a:p>
+            <a:pPr algn="ctr"/>
+            <a:r>
+              <a:rPr lang="en-US" dirty="0" smtClean="0"/>
+              <a:t>User Interface</a:t>
+            </a:r>
+            <a:endParaRPr lang="en-US" dirty="0"/>
+          </a:p>
+        </p:txBody>
+      </p:sp>
+      <p:sp>
+        <p:nvSpPr>
+          <p:cNvPr id="12" name="TextBox 11"/>
+          <p:cNvSpPr txBox="1"/>
+          <p:nvPr/>
+        </p:nvSpPr>
+        <p:spPr>
+          <a:xfrm>
+            <a:off x="2410219" y="3935414"/>
+            <a:ext cx="1239311" cy="230832"/>
+          </a:xfrm>
+          <a:prstGeom prst="rect">
+            <a:avLst/>
+          </a:prstGeom>
+          <a:noFill/>
+        </p:spPr>
+        <p:txBody>
+          <a:bodyPr wrap="square" rtlCol="0">
+            <a:spAutoFit/>
           </a:bodyPr>
           <a:lstStyle/>
           <a:p>
-            <a:r>
-              <a:rPr lang="en-US" dirty="0" smtClean="0"/>
-              <a:t>Azure’s implementation of a real-time, asynchronous message stream</a:t>
-            </a:r>
-          </a:p>
-          <a:p>
-            <a:pPr lvl="1"/>
-            <a:r>
-              <a:rPr lang="en-US" dirty="0" smtClean="0"/>
-              <a:t>Similar to Kafka</a:t>
-            </a:r>
-          </a:p>
-          <a:p>
-            <a:pPr lvl="1"/>
-            <a:endParaRPr lang="en-US" dirty="0"/>
-          </a:p>
-          <a:p>
-            <a:r>
-              <a:rPr lang="en-US" dirty="0"/>
-              <a:t>Azure has many messaging options</a:t>
-            </a:r>
-          </a:p>
-          <a:p>
-            <a:pPr lvl="1"/>
-            <a:r>
-              <a:rPr lang="en-US" dirty="0" smtClean="0"/>
-              <a:t>Using Event Hub because</a:t>
-            </a:r>
-          </a:p>
-          <a:p>
-            <a:pPr lvl="2"/>
-            <a:r>
-              <a:rPr lang="en-US" dirty="0" smtClean="0"/>
-              <a:t>Can handle huge volumes – millions of messages per second</a:t>
-            </a:r>
-          </a:p>
-          <a:p>
-            <a:pPr lvl="2"/>
-            <a:r>
-              <a:rPr lang="en-US" dirty="0" smtClean="0"/>
-              <a:t>Can add consumers after messages published</a:t>
-            </a:r>
-          </a:p>
-          <a:p>
-            <a:pPr lvl="2"/>
-            <a:r>
-              <a:rPr lang="en-US" dirty="0" smtClean="0"/>
-              <a:t>Can replay messages (until removed)</a:t>
-            </a:r>
-            <a:endParaRPr lang="en-US" dirty="0"/>
-          </a:p>
-          <a:p>
-            <a:pPr lvl="1"/>
-            <a:endParaRPr lang="en-US" dirty="0" smtClean="0"/>
-          </a:p>
-          <a:p>
-            <a:r>
-              <a:rPr lang="en-US" dirty="0" smtClean="0"/>
-              <a:t>Key Terms</a:t>
-            </a:r>
-          </a:p>
-          <a:p>
-            <a:pPr lvl="1"/>
-            <a:r>
-              <a:rPr lang="en-US" dirty="0" smtClean="0"/>
-              <a:t>Namespace (i.e. cluster)</a:t>
-            </a:r>
-          </a:p>
-          <a:p>
-            <a:pPr lvl="1"/>
-            <a:r>
-              <a:rPr lang="en-US" dirty="0" smtClean="0"/>
-              <a:t>Hub (i.e. topic)</a:t>
-            </a:r>
-          </a:p>
-          <a:p>
-            <a:pPr lvl="1"/>
-            <a:r>
-              <a:rPr lang="en-US" dirty="0" smtClean="0"/>
-              <a:t>Publisher</a:t>
-            </a:r>
-          </a:p>
-          <a:p>
-            <a:pPr lvl="1"/>
-            <a:r>
-              <a:rPr lang="en-US" dirty="0" smtClean="0"/>
-              <a:t>Consumers / Consumer Groups</a:t>
-            </a:r>
-          </a:p>
-          <a:p>
-            <a:pPr lvl="1"/>
-            <a:r>
-              <a:rPr lang="en-US" dirty="0" smtClean="0"/>
-              <a:t>Partition</a:t>
-            </a:r>
-            <a:endParaRPr lang="en-US" dirty="0"/>
-          </a:p>
-        </p:txBody>
-      </p:sp>
-      <p:pic>
-        <p:nvPicPr>
-          <p:cNvPr id="4" name="Picture 3"/>
-          <p:cNvPicPr>
-            <a:picLocks noChangeAspect="1"/>
-          </p:cNvPicPr>
-          <p:nvPr/>
-        </p:nvPicPr>
-        <p:blipFill>
-          <a:blip r:embed="rId2"/>
-          <a:stretch>
-            <a:fillRect/>
-          </a:stretch>
-        </p:blipFill>
+            <a:pPr algn="ctr"/>
+            <a:r>
+              <a:rPr lang="en-US" sz="900" dirty="0" smtClean="0"/>
+              <a:t>Request Received</a:t>
+            </a:r>
+            <a:endParaRPr lang="en-US" sz="900" dirty="0"/>
+          </a:p>
+        </p:txBody>
+      </p:sp>
+      <p:cxnSp>
+        <p:nvCxnSpPr>
+          <p:cNvPr id="18" name="Straight Arrow Connector 17"/>
+          <p:cNvCxnSpPr/>
+          <p:nvPr/>
+        </p:nvCxnSpPr>
         <p:spPr>
           <a:xfrm>
-            <a:off x="5564778" y="3860593"/>
-            <a:ext cx="5800452" cy="2599805"/>
+            <a:off x="1885972" y="4101241"/>
+            <a:ext cx="2359818" cy="27221"/>
+          </a:xfrm>
+          <a:prstGeom prst="straightConnector1">
+            <a:avLst/>
+          </a:prstGeom>
+          <a:ln>
+            <a:tailEnd type="triangle"/>
+          </a:ln>
+        </p:spPr>
+        <p:style>
+          <a:lnRef idx="1">
+            <a:schemeClr val="accent1"/>
+          </a:lnRef>
+          <a:fillRef idx="0">
+            <a:schemeClr val="accent1"/>
+          </a:fillRef>
+          <a:effectRef idx="0">
+            <a:schemeClr val="accent1"/>
+          </a:effectRef>
+          <a:fontRef idx="minor">
+            <a:schemeClr val="tx1"/>
+          </a:fontRef>
+        </p:style>
+      </p:cxnSp>
+      <p:cxnSp>
+        <p:nvCxnSpPr>
+          <p:cNvPr id="20" name="Straight Arrow Connector 19"/>
+          <p:cNvCxnSpPr/>
+          <p:nvPr/>
+        </p:nvCxnSpPr>
+        <p:spPr>
+          <a:xfrm flipV="1">
+            <a:off x="4597658" y="3055058"/>
+            <a:ext cx="0" cy="990029"/>
+          </a:xfrm>
+          <a:prstGeom prst="straightConnector1">
+            <a:avLst/>
+          </a:prstGeom>
+          <a:ln>
+            <a:solidFill>
+              <a:schemeClr val="tx1">
+                <a:lumMod val="50000"/>
+                <a:lumOff val="50000"/>
+              </a:schemeClr>
+            </a:solidFill>
+            <a:tailEnd type="triangle"/>
+          </a:ln>
+        </p:spPr>
+        <p:style>
+          <a:lnRef idx="1">
+            <a:schemeClr val="accent1"/>
+          </a:lnRef>
+          <a:fillRef idx="0">
+            <a:schemeClr val="accent1"/>
+          </a:fillRef>
+          <a:effectRef idx="0">
+            <a:schemeClr val="accent1"/>
+          </a:effectRef>
+          <a:fontRef idx="minor">
+            <a:schemeClr val="tx1"/>
+          </a:fontRef>
+        </p:style>
+      </p:cxnSp>
+      <p:sp>
+        <p:nvSpPr>
+          <p:cNvPr id="21" name="TextBox 20"/>
+          <p:cNvSpPr txBox="1"/>
+          <p:nvPr/>
+        </p:nvSpPr>
+        <p:spPr>
+          <a:xfrm>
+            <a:off x="4256667" y="3166991"/>
+            <a:ext cx="699008" cy="369332"/>
           </a:xfrm>
           <a:prstGeom prst="rect">
             <a:avLst/>
           </a:prstGeom>
-        </p:spPr>
-      </p:pic>
+          <a:noFill/>
+        </p:spPr>
+        <p:txBody>
+          <a:bodyPr wrap="square" rtlCol="0">
+            <a:spAutoFit/>
+          </a:bodyPr>
+          <a:lstStyle/>
+          <a:p>
+            <a:pPr algn="ctr"/>
+            <a:r>
+              <a:rPr lang="en-US" sz="900" dirty="0" smtClean="0"/>
+              <a:t>Request Received</a:t>
+            </a:r>
+            <a:endParaRPr lang="en-US" sz="900" dirty="0"/>
+          </a:p>
+        </p:txBody>
+      </p:sp>
+      <p:cxnSp>
+        <p:nvCxnSpPr>
+          <p:cNvPr id="24" name="Straight Arrow Connector 23"/>
+          <p:cNvCxnSpPr/>
+          <p:nvPr/>
+        </p:nvCxnSpPr>
+        <p:spPr>
+          <a:xfrm>
+            <a:off x="5084872" y="3055058"/>
+            <a:ext cx="0" cy="990029"/>
+          </a:xfrm>
+          <a:prstGeom prst="straightConnector1">
+            <a:avLst/>
+          </a:prstGeom>
+          <a:ln>
+            <a:solidFill>
+              <a:schemeClr val="tx1">
+                <a:lumMod val="50000"/>
+                <a:lumOff val="50000"/>
+              </a:schemeClr>
+            </a:solidFill>
+            <a:tailEnd type="triangle"/>
+          </a:ln>
+        </p:spPr>
+        <p:style>
+          <a:lnRef idx="1">
+            <a:schemeClr val="accent1"/>
+          </a:lnRef>
+          <a:fillRef idx="0">
+            <a:schemeClr val="accent1"/>
+          </a:fillRef>
+          <a:effectRef idx="0">
+            <a:schemeClr val="accent1"/>
+          </a:effectRef>
+          <a:fontRef idx="minor">
+            <a:schemeClr val="tx1"/>
+          </a:fontRef>
+        </p:style>
+      </p:cxnSp>
+      <p:sp>
+        <p:nvSpPr>
+          <p:cNvPr id="25" name="TextBox 24"/>
+          <p:cNvSpPr txBox="1"/>
+          <p:nvPr/>
+        </p:nvSpPr>
+        <p:spPr>
+          <a:xfrm>
+            <a:off x="4695913" y="3521846"/>
+            <a:ext cx="757877" cy="369332"/>
+          </a:xfrm>
+          <a:prstGeom prst="rect">
+            <a:avLst/>
+          </a:prstGeom>
+          <a:solidFill>
+            <a:schemeClr val="tx1">
+              <a:lumMod val="50000"/>
+              <a:lumOff val="50000"/>
+            </a:schemeClr>
+          </a:solidFill>
+          <a:ln>
+            <a:solidFill>
+              <a:schemeClr val="tx1">
+                <a:lumMod val="50000"/>
+                <a:lumOff val="50000"/>
+              </a:schemeClr>
+            </a:solidFill>
+          </a:ln>
+        </p:spPr>
+        <p:txBody>
+          <a:bodyPr wrap="square" rtlCol="0">
+            <a:spAutoFit/>
+          </a:bodyPr>
+          <a:lstStyle/>
+          <a:p>
+            <a:pPr algn="ctr"/>
+            <a:r>
+              <a:rPr lang="en-US" sz="900" dirty="0" smtClean="0"/>
+              <a:t>Request Decided</a:t>
+            </a:r>
+            <a:endParaRPr lang="en-US" sz="900" dirty="0"/>
+          </a:p>
+        </p:txBody>
+      </p:sp>
+      <p:cxnSp>
+        <p:nvCxnSpPr>
+          <p:cNvPr id="27" name="Straight Arrow Connector 26"/>
+          <p:cNvCxnSpPr/>
+          <p:nvPr/>
+        </p:nvCxnSpPr>
+        <p:spPr>
+          <a:xfrm>
+            <a:off x="5741819" y="3055058"/>
+            <a:ext cx="0" cy="990029"/>
+          </a:xfrm>
+          <a:prstGeom prst="straightConnector1">
+            <a:avLst/>
+          </a:prstGeom>
+          <a:ln>
+            <a:solidFill>
+              <a:schemeClr val="tx1">
+                <a:lumMod val="50000"/>
+                <a:lumOff val="50000"/>
+              </a:schemeClr>
+            </a:solidFill>
+            <a:tailEnd type="triangle"/>
+          </a:ln>
+        </p:spPr>
+        <p:style>
+          <a:lnRef idx="1">
+            <a:schemeClr val="accent1"/>
+          </a:lnRef>
+          <a:fillRef idx="0">
+            <a:schemeClr val="accent1"/>
+          </a:fillRef>
+          <a:effectRef idx="0">
+            <a:schemeClr val="accent1"/>
+          </a:effectRef>
+          <a:fontRef idx="minor">
+            <a:schemeClr val="tx1"/>
+          </a:fontRef>
+        </p:style>
+      </p:cxnSp>
+      <p:sp>
+        <p:nvSpPr>
+          <p:cNvPr id="28" name="TextBox 27"/>
+          <p:cNvSpPr txBox="1"/>
+          <p:nvPr/>
+        </p:nvSpPr>
+        <p:spPr>
+          <a:xfrm>
+            <a:off x="5398322" y="3097741"/>
+            <a:ext cx="757877" cy="507831"/>
+          </a:xfrm>
+          <a:prstGeom prst="rect">
+            <a:avLst/>
+          </a:prstGeom>
+          <a:solidFill>
+            <a:schemeClr val="tx1">
+              <a:lumMod val="50000"/>
+              <a:lumOff val="50000"/>
+            </a:schemeClr>
+          </a:solidFill>
+          <a:ln>
+            <a:solidFill>
+              <a:schemeClr val="tx1">
+                <a:lumMod val="50000"/>
+                <a:lumOff val="50000"/>
+              </a:schemeClr>
+            </a:solidFill>
+          </a:ln>
+        </p:spPr>
+        <p:txBody>
+          <a:bodyPr wrap="square" rtlCol="0">
+            <a:spAutoFit/>
+          </a:bodyPr>
+          <a:lstStyle/>
+          <a:p>
+            <a:pPr algn="ctr"/>
+            <a:r>
+              <a:rPr lang="en-US" sz="900" dirty="0" smtClean="0"/>
+              <a:t>Request Not Auto Approved</a:t>
+            </a:r>
+            <a:endParaRPr lang="en-US" sz="900" dirty="0"/>
+          </a:p>
+        </p:txBody>
+      </p:sp>
+      <p:sp>
+        <p:nvSpPr>
+          <p:cNvPr id="31" name="TextBox 30"/>
+          <p:cNvSpPr txBox="1"/>
+          <p:nvPr/>
+        </p:nvSpPr>
+        <p:spPr>
+          <a:xfrm>
+            <a:off x="7624603" y="2096250"/>
+            <a:ext cx="757877" cy="507831"/>
+          </a:xfrm>
+          <a:prstGeom prst="rect">
+            <a:avLst/>
+          </a:prstGeom>
+          <a:solidFill>
+            <a:schemeClr val="tx1">
+              <a:lumMod val="50000"/>
+              <a:lumOff val="50000"/>
+            </a:schemeClr>
+          </a:solidFill>
+          <a:ln>
+            <a:solidFill>
+              <a:schemeClr val="tx1">
+                <a:lumMod val="50000"/>
+                <a:lumOff val="50000"/>
+              </a:schemeClr>
+            </a:solidFill>
+          </a:ln>
+        </p:spPr>
+        <p:txBody>
+          <a:bodyPr wrap="square" rtlCol="0">
+            <a:spAutoFit/>
+          </a:bodyPr>
+          <a:lstStyle/>
+          <a:p>
+            <a:pPr algn="ctr"/>
+            <a:r>
+              <a:rPr lang="en-US" sz="900" dirty="0" smtClean="0"/>
+              <a:t>Request Not Auto Approved</a:t>
+            </a:r>
+            <a:endParaRPr lang="en-US" sz="900" dirty="0"/>
+          </a:p>
+        </p:txBody>
+      </p:sp>
+      <p:sp>
+        <p:nvSpPr>
+          <p:cNvPr id="35" name="TextBox 34"/>
+          <p:cNvSpPr txBox="1"/>
+          <p:nvPr/>
+        </p:nvSpPr>
+        <p:spPr>
+          <a:xfrm>
+            <a:off x="8000217" y="5200024"/>
+            <a:ext cx="1118606" cy="369332"/>
+          </a:xfrm>
+          <a:prstGeom prst="rect">
+            <a:avLst/>
+          </a:prstGeom>
+          <a:solidFill>
+            <a:schemeClr val="tx1">
+              <a:lumMod val="50000"/>
+              <a:lumOff val="50000"/>
+            </a:schemeClr>
+          </a:solidFill>
+          <a:ln>
+            <a:solidFill>
+              <a:schemeClr val="tx1">
+                <a:lumMod val="50000"/>
+                <a:lumOff val="50000"/>
+              </a:schemeClr>
+            </a:solidFill>
+          </a:ln>
+        </p:spPr>
+        <p:txBody>
+          <a:bodyPr wrap="square" rtlCol="0">
+            <a:spAutoFit/>
+          </a:bodyPr>
+          <a:lstStyle/>
+          <a:p>
+            <a:pPr algn="ctr"/>
+            <a:r>
+              <a:rPr lang="en-US" sz="900" dirty="0" smtClean="0"/>
+              <a:t>Get</a:t>
+            </a:r>
+          </a:p>
+          <a:p>
+            <a:pPr algn="ctr"/>
+            <a:r>
+              <a:rPr lang="en-US" sz="900" dirty="0" smtClean="0"/>
+              <a:t>Request</a:t>
+            </a:r>
+            <a:endParaRPr lang="en-US" sz="900" dirty="0"/>
+          </a:p>
+        </p:txBody>
+      </p:sp>
+      <p:sp>
+        <p:nvSpPr>
+          <p:cNvPr id="37" name="TextBox 36"/>
+          <p:cNvSpPr txBox="1"/>
+          <p:nvPr/>
+        </p:nvSpPr>
+        <p:spPr>
+          <a:xfrm>
+            <a:off x="8005393" y="3137584"/>
+            <a:ext cx="642983" cy="369332"/>
+          </a:xfrm>
+          <a:prstGeom prst="rect">
+            <a:avLst/>
+          </a:prstGeom>
+          <a:solidFill>
+            <a:schemeClr val="tx1">
+              <a:lumMod val="50000"/>
+              <a:lumOff val="50000"/>
+            </a:schemeClr>
+          </a:solidFill>
+          <a:ln>
+            <a:solidFill>
+              <a:schemeClr val="tx1">
+                <a:lumMod val="50000"/>
+                <a:lumOff val="50000"/>
+              </a:schemeClr>
+            </a:solidFill>
+          </a:ln>
+        </p:spPr>
+        <p:txBody>
+          <a:bodyPr wrap="square" rtlCol="0">
+            <a:spAutoFit/>
+          </a:bodyPr>
+          <a:lstStyle/>
+          <a:p>
+            <a:pPr algn="ctr"/>
+            <a:r>
+              <a:rPr lang="en-US" sz="900" dirty="0" smtClean="0"/>
+              <a:t>Get Request</a:t>
+            </a:r>
+            <a:endParaRPr lang="en-US" sz="900" dirty="0"/>
+          </a:p>
+        </p:txBody>
+      </p:sp>
+      <p:cxnSp>
+        <p:nvCxnSpPr>
+          <p:cNvPr id="38" name="Straight Arrow Connector 37"/>
+          <p:cNvCxnSpPr/>
+          <p:nvPr/>
+        </p:nvCxnSpPr>
+        <p:spPr>
+          <a:xfrm flipV="1">
+            <a:off x="9253282" y="3097742"/>
+            <a:ext cx="10410" cy="939228"/>
+          </a:xfrm>
+          <a:prstGeom prst="straightConnector1">
+            <a:avLst/>
+          </a:prstGeom>
+          <a:ln>
+            <a:solidFill>
+              <a:schemeClr val="tx1">
+                <a:lumMod val="50000"/>
+                <a:lumOff val="50000"/>
+              </a:schemeClr>
+            </a:solidFill>
+            <a:tailEnd type="triangle"/>
+          </a:ln>
+        </p:spPr>
+        <p:style>
+          <a:lnRef idx="1">
+            <a:schemeClr val="accent1"/>
+          </a:lnRef>
+          <a:fillRef idx="0">
+            <a:schemeClr val="accent1"/>
+          </a:fillRef>
+          <a:effectRef idx="0">
+            <a:schemeClr val="accent1"/>
+          </a:effectRef>
+          <a:fontRef idx="minor">
+            <a:schemeClr val="tx1"/>
+          </a:fontRef>
+        </p:style>
+      </p:cxnSp>
+      <p:sp>
+        <p:nvSpPr>
+          <p:cNvPr id="39" name="TextBox 38"/>
+          <p:cNvSpPr txBox="1"/>
+          <p:nvPr/>
+        </p:nvSpPr>
+        <p:spPr>
+          <a:xfrm>
+            <a:off x="9187328" y="3166990"/>
+            <a:ext cx="642983" cy="369332"/>
+          </a:xfrm>
+          <a:prstGeom prst="rect">
+            <a:avLst/>
+          </a:prstGeom>
+          <a:solidFill>
+            <a:schemeClr val="tx1">
+              <a:lumMod val="50000"/>
+              <a:lumOff val="50000"/>
+            </a:schemeClr>
+          </a:solidFill>
+          <a:ln>
+            <a:solidFill>
+              <a:schemeClr val="tx1">
+                <a:lumMod val="50000"/>
+                <a:lumOff val="50000"/>
+              </a:schemeClr>
+            </a:solidFill>
+          </a:ln>
+        </p:spPr>
+        <p:txBody>
+          <a:bodyPr wrap="square" rtlCol="0">
+            <a:spAutoFit/>
+          </a:bodyPr>
+          <a:lstStyle/>
+          <a:p>
+            <a:pPr algn="ctr"/>
+            <a:r>
+              <a:rPr lang="en-US" sz="900" dirty="0" smtClean="0"/>
+              <a:t>Request Decided</a:t>
+            </a:r>
+            <a:endParaRPr lang="en-US" sz="900" dirty="0"/>
+          </a:p>
+        </p:txBody>
+      </p:sp>
+      <p:sp>
+        <p:nvSpPr>
+          <p:cNvPr id="41" name="TextBox 40"/>
+          <p:cNvSpPr txBox="1"/>
+          <p:nvPr/>
+        </p:nvSpPr>
+        <p:spPr>
+          <a:xfrm>
+            <a:off x="8727059" y="5650502"/>
+            <a:ext cx="1118606" cy="369332"/>
+          </a:xfrm>
+          <a:prstGeom prst="rect">
+            <a:avLst/>
+          </a:prstGeom>
+          <a:solidFill>
+            <a:schemeClr val="tx1">
+              <a:lumMod val="50000"/>
+              <a:lumOff val="50000"/>
+            </a:schemeClr>
+          </a:solidFill>
+          <a:ln>
+            <a:solidFill>
+              <a:schemeClr val="tx1">
+                <a:lumMod val="50000"/>
+                <a:lumOff val="50000"/>
+              </a:schemeClr>
+            </a:solidFill>
+          </a:ln>
+        </p:spPr>
+        <p:txBody>
+          <a:bodyPr wrap="square" rtlCol="0">
+            <a:spAutoFit/>
+          </a:bodyPr>
+          <a:lstStyle/>
+          <a:p>
+            <a:pPr algn="ctr"/>
+            <a:r>
+              <a:rPr lang="en-US" sz="900" dirty="0" smtClean="0"/>
+              <a:t>Request</a:t>
+            </a:r>
+          </a:p>
+          <a:p>
+            <a:pPr algn="ctr"/>
+            <a:r>
+              <a:rPr lang="en-US" sz="900" dirty="0" smtClean="0"/>
+              <a:t>Decided</a:t>
+            </a:r>
+            <a:endParaRPr lang="en-US" sz="900" dirty="0"/>
+          </a:p>
+        </p:txBody>
+      </p:sp>
+      <p:sp>
+        <p:nvSpPr>
+          <p:cNvPr id="44" name="TextBox 43"/>
+          <p:cNvSpPr txBox="1"/>
+          <p:nvPr/>
+        </p:nvSpPr>
+        <p:spPr>
+          <a:xfrm>
+            <a:off x="9376325" y="2251201"/>
+            <a:ext cx="1229098" cy="369332"/>
+          </a:xfrm>
+          <a:prstGeom prst="rect">
+            <a:avLst/>
+          </a:prstGeom>
+          <a:solidFill>
+            <a:schemeClr val="tx1">
+              <a:lumMod val="50000"/>
+              <a:lumOff val="50000"/>
+            </a:schemeClr>
+          </a:solidFill>
+          <a:ln>
+            <a:solidFill>
+              <a:schemeClr val="tx1">
+                <a:lumMod val="50000"/>
+                <a:lumOff val="50000"/>
+              </a:schemeClr>
+            </a:solidFill>
+          </a:ln>
+        </p:spPr>
+        <p:txBody>
+          <a:bodyPr wrap="square" rtlCol="0">
+            <a:spAutoFit/>
+          </a:bodyPr>
+          <a:lstStyle/>
+          <a:p>
+            <a:pPr algn="ctr"/>
+            <a:r>
+              <a:rPr lang="en-US" sz="900" dirty="0" smtClean="0"/>
+              <a:t>Request</a:t>
+            </a:r>
+          </a:p>
+          <a:p>
+            <a:pPr algn="ctr"/>
+            <a:r>
+              <a:rPr lang="en-US" sz="900" dirty="0" smtClean="0"/>
+              <a:t>Assigned</a:t>
+            </a:r>
+            <a:endParaRPr lang="en-US" sz="900" dirty="0"/>
+          </a:p>
+        </p:txBody>
+      </p:sp>
+      <p:cxnSp>
+        <p:nvCxnSpPr>
+          <p:cNvPr id="70" name="Straight Arrow Connector 69"/>
+          <p:cNvCxnSpPr/>
+          <p:nvPr/>
+        </p:nvCxnSpPr>
+        <p:spPr>
+          <a:xfrm flipV="1">
+            <a:off x="8555850" y="3070468"/>
+            <a:ext cx="0" cy="966502"/>
+          </a:xfrm>
+          <a:prstGeom prst="straightConnector1">
+            <a:avLst/>
+          </a:prstGeom>
+          <a:ln>
+            <a:solidFill>
+              <a:schemeClr val="tx1">
+                <a:lumMod val="50000"/>
+                <a:lumOff val="50000"/>
+              </a:schemeClr>
+            </a:solidFill>
+            <a:tailEnd type="triangle"/>
+          </a:ln>
+        </p:spPr>
+        <p:style>
+          <a:lnRef idx="1">
+            <a:schemeClr val="accent1"/>
+          </a:lnRef>
+          <a:fillRef idx="0">
+            <a:schemeClr val="accent1"/>
+          </a:fillRef>
+          <a:effectRef idx="0">
+            <a:schemeClr val="accent1"/>
+          </a:effectRef>
+          <a:fontRef idx="minor">
+            <a:schemeClr val="tx1"/>
+          </a:fontRef>
+        </p:style>
+      </p:cxnSp>
+      <p:cxnSp>
+        <p:nvCxnSpPr>
+          <p:cNvPr id="95" name="Elbow Connector 94"/>
+          <p:cNvCxnSpPr>
+            <a:endCxn id="8" idx="1"/>
+          </p:cNvCxnSpPr>
+          <p:nvPr/>
+        </p:nvCxnSpPr>
+        <p:spPr>
+          <a:xfrm rot="16200000" flipH="1">
+            <a:off x="6164931" y="4985259"/>
+            <a:ext cx="985800" cy="618568"/>
+          </a:xfrm>
+          <a:prstGeom prst="bentConnector2">
+            <a:avLst/>
+          </a:prstGeom>
+          <a:ln>
+            <a:solidFill>
+              <a:schemeClr val="tx1">
+                <a:lumMod val="50000"/>
+                <a:lumOff val="50000"/>
+              </a:schemeClr>
+            </a:solidFill>
+            <a:tailEnd type="triangle"/>
+          </a:ln>
+        </p:spPr>
+        <p:style>
+          <a:lnRef idx="1">
+            <a:schemeClr val="accent1"/>
+          </a:lnRef>
+          <a:fillRef idx="0">
+            <a:schemeClr val="accent1"/>
+          </a:fillRef>
+          <a:effectRef idx="0">
+            <a:schemeClr val="accent1"/>
+          </a:effectRef>
+          <a:fontRef idx="minor">
+            <a:schemeClr val="tx1"/>
+          </a:fontRef>
+        </p:style>
+      </p:cxnSp>
+      <p:sp>
+        <p:nvSpPr>
+          <p:cNvPr id="99" name="TextBox 98"/>
+          <p:cNvSpPr txBox="1"/>
+          <p:nvPr/>
+        </p:nvSpPr>
+        <p:spPr>
+          <a:xfrm>
+            <a:off x="6011875" y="5440986"/>
+            <a:ext cx="1229098" cy="369332"/>
+          </a:xfrm>
+          <a:prstGeom prst="rect">
+            <a:avLst/>
+          </a:prstGeom>
+          <a:solidFill>
+            <a:schemeClr val="tx1">
+              <a:lumMod val="50000"/>
+              <a:lumOff val="50000"/>
+            </a:schemeClr>
+          </a:solidFill>
+          <a:ln>
+            <a:solidFill>
+              <a:schemeClr val="tx1">
+                <a:lumMod val="50000"/>
+                <a:lumOff val="50000"/>
+              </a:schemeClr>
+            </a:solidFill>
+          </a:ln>
+        </p:spPr>
+        <p:txBody>
+          <a:bodyPr wrap="square" rtlCol="0">
+            <a:spAutoFit/>
+          </a:bodyPr>
+          <a:lstStyle/>
+          <a:p>
+            <a:pPr algn="ctr"/>
+            <a:r>
+              <a:rPr lang="en-US" sz="900" dirty="0" smtClean="0"/>
+              <a:t>Request</a:t>
+            </a:r>
+          </a:p>
+          <a:p>
+            <a:pPr algn="ctr"/>
+            <a:r>
+              <a:rPr lang="en-US" sz="900" dirty="0" smtClean="0"/>
+              <a:t>Assigned</a:t>
+            </a:r>
+            <a:endParaRPr lang="en-US" sz="900" dirty="0"/>
+          </a:p>
+        </p:txBody>
+      </p:sp>
+      <p:cxnSp>
+        <p:nvCxnSpPr>
+          <p:cNvPr id="105" name="Elbow Connector 104"/>
+          <p:cNvCxnSpPr/>
+          <p:nvPr/>
+        </p:nvCxnSpPr>
+        <p:spPr>
+          <a:xfrm rot="5400000" flipH="1" flipV="1">
+            <a:off x="8178466" y="4831413"/>
+            <a:ext cx="754768" cy="719274"/>
+          </a:xfrm>
+          <a:prstGeom prst="bentConnector3">
+            <a:avLst>
+              <a:gd name="adj1" fmla="val 599"/>
+            </a:avLst>
+          </a:prstGeom>
+          <a:ln>
+            <a:solidFill>
+              <a:schemeClr val="tx1">
+                <a:lumMod val="50000"/>
+                <a:lumOff val="50000"/>
+              </a:schemeClr>
+            </a:solidFill>
+            <a:tailEnd type="triangle"/>
+          </a:ln>
+        </p:spPr>
+        <p:style>
+          <a:lnRef idx="1">
+            <a:schemeClr val="accent1"/>
+          </a:lnRef>
+          <a:fillRef idx="0">
+            <a:schemeClr val="accent1"/>
+          </a:fillRef>
+          <a:effectRef idx="0">
+            <a:schemeClr val="accent1"/>
+          </a:effectRef>
+          <a:fontRef idx="minor">
+            <a:schemeClr val="tx1"/>
+          </a:fontRef>
+        </p:style>
+      </p:cxnSp>
+      <p:cxnSp>
+        <p:nvCxnSpPr>
+          <p:cNvPr id="110" name="Elbow Connector 109"/>
+          <p:cNvCxnSpPr/>
+          <p:nvPr/>
+        </p:nvCxnSpPr>
+        <p:spPr>
+          <a:xfrm flipV="1">
+            <a:off x="8179898" y="4813665"/>
+            <a:ext cx="1394876" cy="1198052"/>
+          </a:xfrm>
+          <a:prstGeom prst="bentConnector3">
+            <a:avLst>
+              <a:gd name="adj1" fmla="val 99946"/>
+            </a:avLst>
+          </a:prstGeom>
+          <a:ln>
+            <a:solidFill>
+              <a:schemeClr val="tx1">
+                <a:lumMod val="50000"/>
+                <a:lumOff val="50000"/>
+              </a:schemeClr>
+            </a:solidFill>
+            <a:tailEnd type="triangle"/>
+          </a:ln>
+        </p:spPr>
+        <p:style>
+          <a:lnRef idx="1">
+            <a:schemeClr val="accent1"/>
+          </a:lnRef>
+          <a:fillRef idx="0">
+            <a:schemeClr val="accent1"/>
+          </a:fillRef>
+          <a:effectRef idx="0">
+            <a:schemeClr val="accent1"/>
+          </a:effectRef>
+          <a:fontRef idx="minor">
+            <a:schemeClr val="tx1"/>
+          </a:fontRef>
+        </p:style>
+      </p:cxnSp>
+      <p:sp>
+        <p:nvSpPr>
+          <p:cNvPr id="9" name="Cloud 8"/>
+          <p:cNvSpPr/>
+          <p:nvPr/>
+        </p:nvSpPr>
+        <p:spPr>
+          <a:xfrm>
+            <a:off x="332126" y="2090732"/>
+            <a:ext cx="1901904" cy="1216539"/>
+          </a:xfrm>
+          <a:prstGeom prst="cloud">
+            <a:avLst/>
+          </a:prstGeom>
+          <a:solidFill>
+            <a:srgbClr val="00B0F0"/>
+          </a:solidFill>
+        </p:spPr>
+        <p:style>
+          <a:lnRef idx="2">
+            <a:schemeClr val="accent1">
+              <a:shade val="50000"/>
+            </a:schemeClr>
+          </a:lnRef>
+          <a:fillRef idx="1">
+            <a:schemeClr val="accent1"/>
+          </a:fillRef>
+          <a:effectRef idx="0">
+            <a:schemeClr val="accent1"/>
+          </a:effectRef>
+          <a:fontRef idx="minor">
+            <a:schemeClr val="lt1"/>
+          </a:fontRef>
+        </p:style>
+        <p:txBody>
+          <a:bodyPr rtlCol="0" anchor="ctr"/>
+          <a:lstStyle/>
+          <a:p>
+            <a:pPr algn="ctr"/>
+            <a:r>
+              <a:rPr lang="en-US" dirty="0" smtClean="0">
+                <a:solidFill>
+                  <a:schemeClr val="tx1"/>
+                </a:solidFill>
+              </a:rPr>
+              <a:t>Providers</a:t>
+            </a:r>
+            <a:endParaRPr lang="en-US" dirty="0">
+              <a:solidFill>
+                <a:schemeClr val="tx1"/>
+              </a:solidFill>
+            </a:endParaRPr>
+          </a:p>
+        </p:txBody>
+      </p:sp>
+      <p:cxnSp>
+        <p:nvCxnSpPr>
+          <p:cNvPr id="14" name="Straight Arrow Connector 13"/>
+          <p:cNvCxnSpPr>
+            <a:stCxn id="9" idx="1"/>
+            <a:endCxn id="4" idx="0"/>
+          </p:cNvCxnSpPr>
+          <p:nvPr/>
+        </p:nvCxnSpPr>
+        <p:spPr>
+          <a:xfrm flipH="1">
+            <a:off x="1279581" y="3305976"/>
+            <a:ext cx="3497" cy="623696"/>
+          </a:xfrm>
+          <a:prstGeom prst="straightConnector1">
+            <a:avLst/>
+          </a:prstGeom>
+          <a:ln>
+            <a:headEnd type="triangle"/>
+            <a:tailEnd type="triangle"/>
+          </a:ln>
+        </p:spPr>
+        <p:style>
+          <a:lnRef idx="1">
+            <a:schemeClr val="accent1"/>
+          </a:lnRef>
+          <a:fillRef idx="0">
+            <a:schemeClr val="accent1"/>
+          </a:fillRef>
+          <a:effectRef idx="0">
+            <a:schemeClr val="accent1"/>
+          </a:effectRef>
+          <a:fontRef idx="minor">
+            <a:schemeClr val="tx1"/>
+          </a:fontRef>
+        </p:style>
+      </p:cxnSp>
+      <p:cxnSp>
+        <p:nvCxnSpPr>
+          <p:cNvPr id="19" name="Straight Arrow Connector 18"/>
+          <p:cNvCxnSpPr>
+            <a:stCxn id="4" idx="3"/>
+            <a:endCxn id="6" idx="3"/>
+          </p:cNvCxnSpPr>
+          <p:nvPr/>
+        </p:nvCxnSpPr>
+        <p:spPr>
+          <a:xfrm>
+            <a:off x="1885972" y="4396497"/>
+            <a:ext cx="2349206" cy="19164"/>
+          </a:xfrm>
+          <a:prstGeom prst="straightConnector1">
+            <a:avLst/>
+          </a:prstGeom>
+          <a:ln>
+            <a:solidFill>
+              <a:schemeClr val="tx1">
+                <a:lumMod val="50000"/>
+                <a:lumOff val="50000"/>
+              </a:schemeClr>
+            </a:solidFill>
+            <a:headEnd type="triangle"/>
+            <a:tailEnd type="none"/>
+          </a:ln>
+        </p:spPr>
+        <p:style>
+          <a:lnRef idx="1">
+            <a:schemeClr val="accent1"/>
+          </a:lnRef>
+          <a:fillRef idx="0">
+            <a:schemeClr val="accent1"/>
+          </a:fillRef>
+          <a:effectRef idx="0">
+            <a:schemeClr val="accent1"/>
+          </a:effectRef>
+          <a:fontRef idx="minor">
+            <a:schemeClr val="tx1"/>
+          </a:fontRef>
+        </p:style>
+      </p:cxnSp>
+      <p:cxnSp>
+        <p:nvCxnSpPr>
+          <p:cNvPr id="48" name="Straight Arrow Connector 47"/>
+          <p:cNvCxnSpPr/>
+          <p:nvPr/>
+        </p:nvCxnSpPr>
+        <p:spPr>
+          <a:xfrm>
+            <a:off x="1885972" y="4748534"/>
+            <a:ext cx="2377619" cy="12763"/>
+          </a:xfrm>
+          <a:prstGeom prst="straightConnector1">
+            <a:avLst/>
+          </a:prstGeom>
+          <a:ln>
+            <a:solidFill>
+              <a:schemeClr val="tx1">
+                <a:lumMod val="50000"/>
+                <a:lumOff val="50000"/>
+              </a:schemeClr>
+            </a:solidFill>
+            <a:headEnd type="triangle"/>
+            <a:tailEnd type="none"/>
+          </a:ln>
+        </p:spPr>
+        <p:style>
+          <a:lnRef idx="1">
+            <a:schemeClr val="accent1"/>
+          </a:lnRef>
+          <a:fillRef idx="0">
+            <a:schemeClr val="accent1"/>
+          </a:fillRef>
+          <a:effectRef idx="0">
+            <a:schemeClr val="accent1"/>
+          </a:effectRef>
+          <a:fontRef idx="minor">
+            <a:schemeClr val="tx1"/>
+          </a:fontRef>
+        </p:style>
+      </p:cxnSp>
+      <p:sp>
+        <p:nvSpPr>
+          <p:cNvPr id="53" name="TextBox 52"/>
+          <p:cNvSpPr txBox="1"/>
+          <p:nvPr/>
+        </p:nvSpPr>
+        <p:spPr>
+          <a:xfrm>
+            <a:off x="2276963" y="4224635"/>
+            <a:ext cx="1505822" cy="230832"/>
+          </a:xfrm>
+          <a:prstGeom prst="rect">
+            <a:avLst/>
+          </a:prstGeom>
+          <a:noFill/>
+          <a:ln>
+            <a:solidFill>
+              <a:schemeClr val="tx1">
+                <a:lumMod val="50000"/>
+                <a:lumOff val="50000"/>
+              </a:schemeClr>
+            </a:solidFill>
+          </a:ln>
+        </p:spPr>
+        <p:txBody>
+          <a:bodyPr wrap="square" rtlCol="0">
+            <a:spAutoFit/>
+          </a:bodyPr>
+          <a:lstStyle/>
+          <a:p>
+            <a:pPr algn="ctr"/>
+            <a:r>
+              <a:rPr lang="en-US" sz="900" dirty="0" smtClean="0"/>
+              <a:t>Request Auto Approved</a:t>
+            </a:r>
+            <a:endParaRPr lang="en-US" sz="900" dirty="0"/>
+          </a:p>
+        </p:txBody>
+      </p:sp>
+      <p:sp>
+        <p:nvSpPr>
+          <p:cNvPr id="54" name="TextBox 53"/>
+          <p:cNvSpPr txBox="1"/>
+          <p:nvPr/>
+        </p:nvSpPr>
+        <p:spPr>
+          <a:xfrm>
+            <a:off x="2428109" y="4582833"/>
+            <a:ext cx="1203529" cy="230832"/>
+          </a:xfrm>
+          <a:prstGeom prst="rect">
+            <a:avLst/>
+          </a:prstGeom>
+          <a:noFill/>
+          <a:ln>
+            <a:solidFill>
+              <a:schemeClr val="tx1">
+                <a:lumMod val="50000"/>
+                <a:lumOff val="50000"/>
+              </a:schemeClr>
+            </a:solidFill>
+          </a:ln>
+        </p:spPr>
+        <p:txBody>
+          <a:bodyPr wrap="square" rtlCol="0">
+            <a:spAutoFit/>
+          </a:bodyPr>
+          <a:lstStyle/>
+          <a:p>
+            <a:pPr algn="ctr"/>
+            <a:r>
+              <a:rPr lang="en-US" sz="900" dirty="0" smtClean="0"/>
+              <a:t>Request Decided</a:t>
+            </a:r>
+            <a:endParaRPr lang="en-US" sz="900" dirty="0"/>
+          </a:p>
+        </p:txBody>
+      </p:sp>
+      <p:cxnSp>
+        <p:nvCxnSpPr>
+          <p:cNvPr id="58" name="Elbow Connector 57"/>
+          <p:cNvCxnSpPr>
+            <a:endCxn id="7" idx="1"/>
+          </p:cNvCxnSpPr>
+          <p:nvPr/>
+        </p:nvCxnSpPr>
+        <p:spPr>
+          <a:xfrm rot="5400000" flipH="1" flipV="1">
+            <a:off x="7323999" y="2996684"/>
+            <a:ext cx="1456854" cy="639952"/>
+          </a:xfrm>
+          <a:prstGeom prst="bentConnector2">
+            <a:avLst/>
+          </a:prstGeom>
+          <a:ln>
+            <a:solidFill>
+              <a:schemeClr val="tx1">
+                <a:lumMod val="50000"/>
+                <a:lumOff val="50000"/>
+              </a:schemeClr>
+            </a:solidFill>
+            <a:tailEnd type="triangle"/>
+          </a:ln>
+        </p:spPr>
+        <p:style>
+          <a:lnRef idx="1">
+            <a:schemeClr val="accent1"/>
+          </a:lnRef>
+          <a:fillRef idx="0">
+            <a:schemeClr val="accent1"/>
+          </a:fillRef>
+          <a:effectRef idx="0">
+            <a:schemeClr val="accent1"/>
+          </a:effectRef>
+          <a:fontRef idx="minor">
+            <a:schemeClr val="tx1"/>
+          </a:fontRef>
+        </p:style>
+      </p:cxnSp>
+      <p:cxnSp>
+        <p:nvCxnSpPr>
+          <p:cNvPr id="68" name="Elbow Connector 67"/>
+          <p:cNvCxnSpPr>
+            <a:stCxn id="7" idx="3"/>
+          </p:cNvCxnSpPr>
+          <p:nvPr/>
+        </p:nvCxnSpPr>
+        <p:spPr>
+          <a:xfrm>
+            <a:off x="9585185" y="2588233"/>
+            <a:ext cx="810566" cy="1441444"/>
+          </a:xfrm>
+          <a:prstGeom prst="bentConnector2">
+            <a:avLst/>
+          </a:prstGeom>
+          <a:ln>
+            <a:solidFill>
+              <a:schemeClr val="tx1">
+                <a:lumMod val="50000"/>
+                <a:lumOff val="50000"/>
+              </a:schemeClr>
+            </a:solidFill>
+            <a:tailEnd type="triangle"/>
+          </a:ln>
+        </p:spPr>
+        <p:style>
+          <a:lnRef idx="1">
+            <a:schemeClr val="accent1"/>
+          </a:lnRef>
+          <a:fillRef idx="0">
+            <a:schemeClr val="accent1"/>
+          </a:fillRef>
+          <a:effectRef idx="0">
+            <a:schemeClr val="accent1"/>
+          </a:effectRef>
+          <a:fontRef idx="minor">
+            <a:schemeClr val="tx1"/>
+          </a:fontRef>
+        </p:style>
+      </p:cxnSp>
     </p:spTree>
     <p:extLst>
       <p:ext uri="{BB962C8B-B14F-4D97-AF65-F5344CB8AC3E}">
-        <p14:creationId xmlns:p14="http://schemas.microsoft.com/office/powerpoint/2010/main" val="3139103091"/>
+        <p14:creationId xmlns:p14="http://schemas.microsoft.com/office/powerpoint/2010/main" val="493342189"/>
       </p:ext>
     </p:extLst>
   </p:cSld>
@@ -12427,7 +12581,7 @@
       </p:grpSpPr>
       <p:sp>
         <p:nvSpPr>
-          <p:cNvPr id="4" name="Title 3"/>
+          <p:cNvPr id="2" name="Title 1"/>
           <p:cNvSpPr>
             <a:spLocks noGrp="1"/>
           </p:cNvSpPr>
@@ -12442,15 +12596,15 @@
           <a:p>
             <a:r>
               <a:rPr lang="en-US" dirty="0" smtClean="0"/>
-              <a:t>Azure function</a:t>
-            </a:r>
-            <a:endParaRPr lang="en-US" dirty="0"/>
-          </a:p>
-        </p:txBody>
-      </p:sp>
-      <p:sp>
-        <p:nvSpPr>
-          <p:cNvPr id="5" name="Content Placeholder 4"/>
+              <a:t>Azure event Hub</a:t>
+            </a:r>
+            <a:endParaRPr lang="en-US" dirty="0"/>
+          </a:p>
+        </p:txBody>
+      </p:sp>
+      <p:sp>
+        <p:nvSpPr>
+          <p:cNvPr id="3" name="Content Placeholder 2"/>
           <p:cNvSpPr>
             <a:spLocks noGrp="1"/>
           </p:cNvSpPr>
@@ -12461,116 +12615,137 @@
         <p:spPr/>
         <p:txBody>
           <a:bodyPr>
-            <a:normAutofit fontScale="70000" lnSpcReduction="20000"/>
+            <a:normAutofit fontScale="85000" lnSpcReduction="20000"/>
           </a:bodyPr>
           <a:lstStyle/>
           <a:p>
             <a:r>
               <a:rPr lang="en-US" dirty="0" smtClean="0"/>
-              <a:t>Azure’s event-driven, </a:t>
-            </a:r>
-            <a:r>
-              <a:rPr lang="en-US" dirty="0" err="1" smtClean="0"/>
-              <a:t>serverless</a:t>
-            </a:r>
-            <a:r>
-              <a:rPr lang="en-US" dirty="0" smtClean="0"/>
-              <a:t> compute option</a:t>
-            </a:r>
-          </a:p>
-          <a:p>
+              <a:t>Azure’s implementation of a real-time, asynchronous message stream</a:t>
+            </a:r>
+          </a:p>
+          <a:p>
+            <a:pPr lvl="1"/>
+            <a:r>
+              <a:rPr lang="en-US" dirty="0" smtClean="0"/>
+              <a:t>Similar to Kafka</a:t>
+            </a:r>
+          </a:p>
+          <a:p>
+            <a:pPr lvl="1"/>
+            <a:endParaRPr lang="en-US" dirty="0"/>
+          </a:p>
+          <a:p>
+            <a:r>
+              <a:rPr lang="en-US" dirty="0"/>
+              <a:t>Azure has many messaging options</a:t>
+            </a:r>
+          </a:p>
+          <a:p>
+            <a:pPr lvl="1"/>
+            <a:r>
+              <a:rPr lang="en-US" dirty="0" smtClean="0"/>
+              <a:t>Using Event Hub because</a:t>
+            </a:r>
+          </a:p>
+          <a:p>
+            <a:pPr lvl="2"/>
+            <a:r>
+              <a:rPr lang="en-US" dirty="0" smtClean="0"/>
+              <a:t>Can handle huge volumes – millions of messages per second</a:t>
+            </a:r>
+          </a:p>
+          <a:p>
+            <a:pPr lvl="2"/>
+            <a:r>
+              <a:rPr lang="en-US" dirty="0" smtClean="0"/>
+              <a:t>Can add consumers after messages published</a:t>
+            </a:r>
+          </a:p>
+          <a:p>
+            <a:pPr lvl="2"/>
+            <a:r>
+              <a:rPr lang="en-US" dirty="0" smtClean="0"/>
+              <a:t>Can replay messages (until removed)</a:t>
+            </a:r>
+            <a:endParaRPr lang="en-US" dirty="0"/>
+          </a:p>
+          <a:p>
+            <a:pPr lvl="1"/>
             <a:endParaRPr lang="en-US" dirty="0" smtClean="0"/>
           </a:p>
           <a:p>
             <a:r>
-              <a:rPr lang="en-US" dirty="0"/>
-              <a:t>Automatically scales – up to 200 parallel instances</a:t>
-            </a:r>
-          </a:p>
-          <a:p>
-            <a:endParaRPr lang="en-US" dirty="0" smtClean="0"/>
-          </a:p>
-          <a:p>
-            <a:r>
-              <a:rPr lang="en-US" dirty="0" smtClean="0"/>
-              <a:t>Possible triggers</a:t>
+              <a:rPr lang="en-US" dirty="0" smtClean="0"/>
+              <a:t>Key Terms</a:t>
             </a:r>
           </a:p>
           <a:p>
             <a:pPr lvl="1"/>
             <a:r>
               <a:rPr lang="en-US" dirty="0" smtClean="0"/>
-              <a:t>HTTP call</a:t>
+              <a:t>Namespace (i.e. cluster)</a:t>
             </a:r>
           </a:p>
           <a:p>
             <a:pPr lvl="1"/>
             <a:r>
               <a:rPr lang="en-US" dirty="0" smtClean="0"/>
-              <a:t>Timer</a:t>
+              <a:t>Hub (i.e. topic)</a:t>
             </a:r>
           </a:p>
           <a:p>
             <a:pPr lvl="1"/>
             <a:r>
               <a:rPr lang="en-US" dirty="0" smtClean="0"/>
-              <a:t>Message arrived / event occurred</a:t>
+              <a:t>Publisher</a:t>
             </a:r>
           </a:p>
           <a:p>
             <a:pPr lvl="1"/>
             <a:r>
               <a:rPr lang="en-US" dirty="0" smtClean="0"/>
-              <a:t>Database record created, updated, or deleted</a:t>
+              <a:t>Consumers / Consumer Groups</a:t>
             </a:r>
           </a:p>
           <a:p>
             <a:pPr lvl="1"/>
             <a:r>
               <a:rPr lang="en-US" dirty="0" smtClean="0"/>
-              <a:t>BLOB created, updated, or deleted</a:t>
-            </a:r>
-          </a:p>
-          <a:p>
-            <a:endParaRPr lang="en-US" dirty="0"/>
-          </a:p>
-          <a:p>
-            <a:r>
-              <a:rPr lang="en-US" dirty="0" smtClean="0"/>
-              <a:t>Most </a:t>
-            </a:r>
-            <a:r>
-              <a:rPr lang="en-US" dirty="0"/>
-              <a:t>often used in consumption mode – only charged for </a:t>
-            </a:r>
-            <a:r>
-              <a:rPr lang="en-US" dirty="0" smtClean="0"/>
-              <a:t>used</a:t>
-            </a:r>
-          </a:p>
-          <a:p>
-            <a:pPr lvl="1"/>
-            <a:r>
-              <a:rPr lang="en-US" dirty="0" smtClean="0"/>
-              <a:t>Based on number of executions, execution time, and memory used</a:t>
-            </a:r>
-            <a:endParaRPr lang="en-US" dirty="0"/>
-          </a:p>
-          <a:p>
-            <a:endParaRPr lang="en-US" dirty="0"/>
-          </a:p>
-          <a:p>
-            <a:r>
-              <a:rPr lang="en-US" dirty="0" smtClean="0"/>
-              <a:t>Key terms</a:t>
-            </a:r>
-          </a:p>
-        </p:txBody>
-      </p:sp>
+              <a:t>Partition</a:t>
+            </a:r>
+            <a:endParaRPr lang="en-US" dirty="0"/>
+          </a:p>
+        </p:txBody>
+      </p:sp>
+      <p:pic>
+        <p:nvPicPr>
+          <p:cNvPr id="4" name="Picture 3"/>
+          <p:cNvPicPr>
+            <a:picLocks noChangeAspect="1"/>
+          </p:cNvPicPr>
+          <p:nvPr/>
+        </p:nvPicPr>
+        <p:blipFill>
+          <a:blip r:embed="rId2"/>
+          <a:stretch>
+            <a:fillRect/>
+          </a:stretch>
+        </p:blipFill>
+        <p:spPr>
+          <a:xfrm>
+            <a:off x="5564778" y="3860593"/>
+            <a:ext cx="5800452" cy="2599805"/>
+          </a:xfrm>
+          <a:prstGeom prst="rect">
+            <a:avLst/>
+          </a:prstGeom>
+        </p:spPr>
+      </p:pic>
     </p:spTree>
     <p:extLst>
       <p:ext uri="{BB962C8B-B14F-4D97-AF65-F5344CB8AC3E}">
-        <p14:creationId xmlns:p14="http://schemas.microsoft.com/office/powerpoint/2010/main" val="226630438"/>
+        <p14:creationId xmlns:p14="http://schemas.microsoft.com/office/powerpoint/2010/main" val="3139103091"/>
       </p:ext>
     </p:extLst>
   </p:cSld>
@@ -12599,7 +12774,7 @@
       </p:grpSpPr>
       <p:sp>
         <p:nvSpPr>
-          <p:cNvPr id="2" name="Title 1"/>
+          <p:cNvPr id="4" name="Title 3"/>
           <p:cNvSpPr>
             <a:spLocks noGrp="1"/>
           </p:cNvSpPr>
@@ -12614,15 +12789,15 @@
           <a:p>
             <a:r>
               <a:rPr lang="en-US" dirty="0" smtClean="0"/>
-              <a:t>task 1: Create azure event hub</a:t>
-            </a:r>
-            <a:endParaRPr lang="en-US" dirty="0"/>
-          </a:p>
-        </p:txBody>
-      </p:sp>
-      <p:sp>
-        <p:nvSpPr>
-          <p:cNvPr id="3" name="Content Placeholder 2"/>
+              <a:t>Azure function</a:t>
+            </a:r>
+            <a:endParaRPr lang="en-US" dirty="0"/>
+          </a:p>
+        </p:txBody>
+      </p:sp>
+      <p:sp>
+        <p:nvSpPr>
+          <p:cNvPr id="5" name="Content Placeholder 4"/>
           <p:cNvSpPr>
             <a:spLocks noGrp="1"/>
           </p:cNvSpPr>
@@ -12633,58 +12808,108 @@
         <p:spPr/>
         <p:txBody>
           <a:bodyPr>
-            <a:normAutofit/>
+            <a:normAutofit fontScale="70000" lnSpcReduction="20000"/>
           </a:bodyPr>
           <a:lstStyle/>
           <a:p>
             <a:r>
               <a:rPr lang="en-US" dirty="0" smtClean="0"/>
-              <a:t>Develop in Azure Portal</a:t>
-            </a:r>
-          </a:p>
-          <a:p>
-            <a:endParaRPr lang="en-US" dirty="0"/>
-          </a:p>
-          <a:p>
-            <a:r>
-              <a:rPr lang="en-US" dirty="0" smtClean="0"/>
-              <a:t>Create Azure Hub Namespace</a:t>
+              <a:t>Azure’s event-driven, </a:t>
+            </a:r>
+            <a:r>
+              <a:rPr lang="en-US" dirty="0" err="1" smtClean="0"/>
+              <a:t>serverless</a:t>
+            </a:r>
+            <a:r>
+              <a:rPr lang="en-US" dirty="0" smtClean="0"/>
+              <a:t> compute option</a:t>
+            </a:r>
+          </a:p>
+          <a:p>
+            <a:endParaRPr lang="en-US" dirty="0" smtClean="0"/>
+          </a:p>
+          <a:p>
+            <a:r>
+              <a:rPr lang="en-US" dirty="0"/>
+              <a:t>Automatically scales – up to 200 parallel instances</a:t>
+            </a:r>
+          </a:p>
+          <a:p>
+            <a:endParaRPr lang="en-US" dirty="0" smtClean="0"/>
+          </a:p>
+          <a:p>
+            <a:r>
+              <a:rPr lang="en-US" dirty="0" smtClean="0"/>
+              <a:t>Possible triggers</a:t>
             </a:r>
           </a:p>
           <a:p>
             <a:pPr lvl="1"/>
             <a:r>
               <a:rPr lang="en-US" dirty="0" smtClean="0"/>
-              <a:t>Name must globally unique (so we can’t all use the same name)</a:t>
+              <a:t>HTTP call</a:t>
             </a:r>
           </a:p>
           <a:p>
             <a:pPr lvl="1"/>
             <a:r>
               <a:rPr lang="en-US" dirty="0" smtClean="0"/>
-              <a:t>Pricing tier: Standard so we can multiple </a:t>
-            </a:r>
-            <a:r>
-              <a:rPr lang="en-US" i="1" dirty="0" smtClean="0"/>
-              <a:t>consumer groups</a:t>
-            </a:r>
-          </a:p>
-          <a:p>
-            <a:endParaRPr lang="en-US" dirty="0" smtClean="0"/>
-          </a:p>
-          <a:p>
-            <a:r>
-              <a:rPr lang="en-US" dirty="0" smtClean="0"/>
-              <a:t>Create Azure Hub for received requests</a:t>
-            </a:r>
-          </a:p>
-          <a:p>
-            <a:endParaRPr lang="en-US" dirty="0" smtClean="0"/>
-          </a:p>
-          <a:p>
-            <a:r>
-              <a:rPr lang="en-US" dirty="0" smtClean="0"/>
-              <a:t>Create Shared Access Policy for publisher</a:t>
+              <a:t>Timer</a:t>
+            </a:r>
+          </a:p>
+          <a:p>
+            <a:pPr lvl="1"/>
+            <a:r>
+              <a:rPr lang="en-US" dirty="0" smtClean="0"/>
+              <a:t>Message arrived / event occurred</a:t>
+            </a:r>
+          </a:p>
+          <a:p>
+            <a:pPr lvl="1"/>
+            <a:r>
+              <a:rPr lang="en-US" dirty="0" smtClean="0"/>
+              <a:t>Database record created, updated, or deleted</a:t>
+            </a:r>
+          </a:p>
+          <a:p>
+            <a:pPr lvl="1"/>
+            <a:r>
+              <a:rPr lang="en-US" dirty="0" smtClean="0"/>
+              <a:t>BLOB created, updated, or deleted</a:t>
+            </a:r>
+          </a:p>
+          <a:p>
+            <a:endParaRPr lang="en-US" dirty="0"/>
+          </a:p>
+          <a:p>
+            <a:r>
+              <a:rPr lang="en-US" dirty="0" smtClean="0"/>
+              <a:t>Most </a:t>
+            </a:r>
+            <a:r>
+              <a:rPr lang="en-US" dirty="0"/>
+              <a:t>often used in consumption mode – only charged for </a:t>
+            </a:r>
+            <a:r>
+              <a:rPr lang="en-US" dirty="0" smtClean="0"/>
+              <a:t>used</a:t>
+            </a:r>
+          </a:p>
+          <a:p>
+            <a:pPr lvl="1"/>
+            <a:r>
+              <a:rPr lang="en-US" dirty="0" smtClean="0"/>
+              <a:t>Based on number of executions, execution time, and memory used</a:t>
+            </a:r>
+            <a:endParaRPr lang="en-US" dirty="0"/>
+          </a:p>
+          <a:p>
+            <a:endParaRPr lang="en-US" dirty="0"/>
+          </a:p>
+          <a:p>
+            <a:r>
+              <a:rPr lang="en-US" dirty="0" smtClean="0"/>
+              <a:t>Key terms</a:t>
             </a:r>
           </a:p>
         </p:txBody>
@@ -12692,7 +12917,7 @@
     </p:spTree>
     <p:extLst>
       <p:ext uri="{BB962C8B-B14F-4D97-AF65-F5344CB8AC3E}">
-        <p14:creationId xmlns:p14="http://schemas.microsoft.com/office/powerpoint/2010/main" val="486096991"/>
+        <p14:creationId xmlns:p14="http://schemas.microsoft.com/office/powerpoint/2010/main" val="226630438"/>
       </p:ext>
     </p:extLst>
   </p:cSld>
@@ -12736,7 +12961,7 @@
           <a:p>
             <a:r>
               <a:rPr lang="en-US" dirty="0" smtClean="0"/>
-              <a:t>task 2: Provider transfer service</a:t>
+              <a:t>task 1: Create azure event hub</a:t>
             </a:r>
             <a:endParaRPr lang="en-US" dirty="0"/>
           </a:p>
@@ -12755,22 +12980,40 @@
         <p:spPr/>
         <p:txBody>
           <a:bodyPr>
-            <a:normAutofit lnSpcReduction="10000"/>
+            <a:normAutofit/>
           </a:bodyPr>
           <a:lstStyle/>
           <a:p>
             <a:r>
               <a:rPr lang="en-US" dirty="0" smtClean="0"/>
-              <a:t>Simulate incoming requests by generating and sending randomly requests</a:t>
-            </a:r>
-          </a:p>
-          <a:p>
-            <a:endParaRPr lang="en-US" dirty="0"/>
-          </a:p>
-          <a:p>
-            <a:r>
-              <a:rPr lang="en-US" dirty="0" smtClean="0"/>
-              <a:t>Start with ThreeAmigosHealth.sln in Sprint1/Initial</a:t>
+              <a:t>Develop in Azure Portal</a:t>
+            </a:r>
+          </a:p>
+          <a:p>
+            <a:endParaRPr lang="en-US" dirty="0"/>
+          </a:p>
+          <a:p>
+            <a:r>
+              <a:rPr lang="en-US" dirty="0" smtClean="0"/>
+              <a:t>Create Azure Hub Namespace</a:t>
+            </a:r>
+          </a:p>
+          <a:p>
+            <a:pPr lvl="1"/>
+            <a:r>
+              <a:rPr lang="en-US" dirty="0" smtClean="0"/>
+              <a:t>Name must globally unique (so we can’t all use the same name)</a:t>
+            </a:r>
+          </a:p>
+          <a:p>
+            <a:pPr lvl="1"/>
+            <a:r>
+              <a:rPr lang="en-US" dirty="0" smtClean="0"/>
+              <a:t>Pricing tier: Standard so we can have multiple </a:t>
+            </a:r>
+            <a:r>
+              <a:rPr lang="en-US" i="1" dirty="0" smtClean="0"/>
+              <a:t>consumer groups</a:t>
             </a:r>
           </a:p>
           <a:p>
@@ -12779,79 +13022,7 @@
           <a:p>
             <a:r>
               <a:rPr lang="en-US" dirty="0" smtClean="0"/>
-              <a:t>Add Azure Functions / </a:t>
-            </a:r>
-            <a:r>
-              <a:rPr lang="en-US" dirty="0" err="1" smtClean="0"/>
-              <a:t>c#</a:t>
-            </a:r>
-            <a:r>
-              <a:rPr lang="en-US" dirty="0"/>
-              <a:t> </a:t>
-            </a:r>
-            <a:r>
-              <a:rPr lang="en-US" dirty="0" smtClean="0"/>
-              <a:t>with Timer Trigger</a:t>
-            </a:r>
-          </a:p>
-          <a:p>
-            <a:pPr lvl="1"/>
-            <a:r>
-              <a:rPr lang="en-US" dirty="0" smtClean="0"/>
-              <a:t>Timer will send 1 or more requests each time it fires</a:t>
-            </a:r>
-          </a:p>
-          <a:p>
-            <a:pPr lvl="1"/>
-            <a:r>
-              <a:rPr lang="en-US" dirty="0" smtClean="0"/>
-              <a:t>Use </a:t>
-            </a:r>
-            <a:r>
-              <a:rPr lang="en-US" dirty="0" err="1"/>
-              <a:t>EventHubProducerClient</a:t>
-            </a:r>
-            <a:r>
-              <a:rPr lang="en-US" dirty="0"/>
-              <a:t> from </a:t>
-            </a:r>
-            <a:r>
-              <a:rPr lang="en-US" dirty="0" err="1"/>
-              <a:t>Azure.Messaging.EventHubs</a:t>
-            </a:r>
-            <a:r>
-              <a:rPr lang="en-US" dirty="0"/>
-              <a:t> nugget package</a:t>
-            </a:r>
-          </a:p>
-          <a:p>
-            <a:pPr lvl="2"/>
-            <a:r>
-              <a:rPr lang="en-US" dirty="0"/>
-              <a:t>Requires </a:t>
-            </a:r>
-            <a:r>
-              <a:rPr lang="en-US" i="1" dirty="0"/>
-              <a:t>Shared Access Policy </a:t>
-            </a:r>
-            <a:r>
-              <a:rPr lang="en-US" dirty="0"/>
-              <a:t>connection string from received request hub</a:t>
-            </a:r>
-          </a:p>
-          <a:p>
-            <a:pPr lvl="1"/>
-            <a:r>
-              <a:rPr lang="en-US" dirty="0" smtClean="0"/>
-              <a:t>Business logic in </a:t>
-            </a:r>
-            <a:r>
-              <a:rPr lang="en-US" dirty="0" err="1" smtClean="0"/>
-              <a:t>BusinessLogic</a:t>
-            </a:r>
-            <a:r>
-              <a:rPr lang="en-US" dirty="0" smtClean="0"/>
-              <a:t> project in solution</a:t>
+              <a:t>Create Azure Hub for received requests</a:t>
             </a:r>
           </a:p>
           <a:p>
@@ -12860,16 +13031,15 @@
           <a:p>
             <a:r>
               <a:rPr lang="en-US" dirty="0" smtClean="0"/>
-              <a:t>Publish to Azure</a:t>
-            </a:r>
-            <a:endParaRPr lang="en-US" dirty="0"/>
+              <a:t>Create Shared Access Policy for publisher</a:t>
+            </a:r>
           </a:p>
         </p:txBody>
       </p:sp>
     </p:spTree>
     <p:extLst>
       <p:ext uri="{BB962C8B-B14F-4D97-AF65-F5344CB8AC3E}">
-        <p14:creationId xmlns:p14="http://schemas.microsoft.com/office/powerpoint/2010/main" val="3884156340"/>
+        <p14:creationId xmlns:p14="http://schemas.microsoft.com/office/powerpoint/2010/main" val="486096991"/>
       </p:ext>
     </p:extLst>
   </p:cSld>
@@ -12913,7 +13083,7 @@
           <a:p>
             <a:r>
               <a:rPr lang="en-US" dirty="0" smtClean="0"/>
-              <a:t>Provider transfer service</a:t>
+              <a:t>task 2: Provider transfer service</a:t>
             </a:r>
             <a:endParaRPr lang="en-US" dirty="0"/>
           </a:p>
@@ -12932,13 +13102,22 @@
         <p:spPr/>
         <p:txBody>
           <a:bodyPr>
-            <a:normAutofit/>
+            <a:normAutofit lnSpcReduction="10000"/>
           </a:bodyPr>
           <a:lstStyle/>
           <a:p>
             <a:r>
               <a:rPr lang="en-US" dirty="0" smtClean="0"/>
-              <a:t>For this exercise, simulates incoming requests for service from providers</a:t>
+              <a:t>Simulate incoming requests by generating and sending randomly requests</a:t>
+            </a:r>
+          </a:p>
+          <a:p>
+            <a:endParaRPr lang="en-US" dirty="0"/>
+          </a:p>
+          <a:p>
+            <a:r>
+              <a:rPr lang="en-US" dirty="0" smtClean="0"/>
+              <a:t>Start with ThreeAmigosHealth.sln in Sprint1/Initial</a:t>
             </a:r>
           </a:p>
           <a:p>
@@ -12947,280 +13126,97 @@
           <a:p>
             <a:r>
               <a:rPr lang="en-US" dirty="0" smtClean="0"/>
-              <a:t>Implemented as an ASP.NET Core 5.0 Web Service that generates and sends requests at a specified interval</a:t>
+              <a:t>Add Azure Functions / </a:t>
+            </a:r>
+            <a:r>
+              <a:rPr lang="en-US" dirty="0" err="1" smtClean="0"/>
+              <a:t>c#</a:t>
+            </a:r>
+            <a:r>
+              <a:rPr lang="en-US" dirty="0"/>
+              <a:t> </a:t>
+            </a:r>
+            <a:r>
+              <a:rPr lang="en-US" dirty="0" smtClean="0"/>
+              <a:t>with Timer Trigger</a:t>
             </a:r>
           </a:p>
           <a:p>
             <a:pPr lvl="1"/>
             <a:r>
               <a:rPr lang="en-US" dirty="0" smtClean="0"/>
-              <a:t>Hosted on an Azure App Service</a:t>
-            </a:r>
-          </a:p>
-          <a:p>
-            <a:endParaRPr lang="en-US" dirty="0"/>
-          </a:p>
-          <a:p>
-            <a:r>
-              <a:rPr lang="en-US" dirty="0" smtClean="0"/>
-              <a:t>Requests are sent to a topic on the Azure Event Hub </a:t>
-            </a:r>
-            <a:r>
-              <a:rPr lang="en-US" i="1" dirty="0" err="1" smtClean="0"/>
-              <a:t>RequestReceived</a:t>
-            </a:r>
-            <a:r>
-              <a:rPr lang="en-US" dirty="0" smtClean="0"/>
-              <a:t> topic where they will be available to other components as an </a:t>
-            </a:r>
-            <a:r>
-              <a:rPr lang="en-US" b="1" i="1" dirty="0" smtClean="0"/>
-              <a:t>event stream</a:t>
-            </a:r>
-          </a:p>
-          <a:p>
-            <a:pPr marL="0" indent="0">
-              <a:buNone/>
-            </a:pPr>
+              <a:t>Timer will send 1 or more requests each time it fires</a:t>
+            </a:r>
+          </a:p>
+          <a:p>
+            <a:pPr lvl="1"/>
+            <a:r>
+              <a:rPr lang="en-US" dirty="0" smtClean="0"/>
+              <a:t>Use </a:t>
+            </a:r>
+            <a:r>
+              <a:rPr lang="en-US" dirty="0" err="1"/>
+              <a:t>EventHubProducerClient</a:t>
+            </a:r>
+            <a:r>
+              <a:rPr lang="en-US" dirty="0"/>
+              <a:t> from </a:t>
+            </a:r>
+            <a:r>
+              <a:rPr lang="en-US" dirty="0" err="1"/>
+              <a:t>Azure.Messaging.EventHubs</a:t>
+            </a:r>
+            <a:r>
+              <a:rPr lang="en-US" dirty="0"/>
+              <a:t> nugget package</a:t>
+            </a:r>
+          </a:p>
+          <a:p>
+            <a:pPr lvl="2"/>
+            <a:r>
+              <a:rPr lang="en-US" dirty="0"/>
+              <a:t>Requires </a:t>
+            </a:r>
+            <a:r>
+              <a:rPr lang="en-US" i="1" dirty="0"/>
+              <a:t>Shared Access Policy </a:t>
+            </a:r>
+            <a:r>
+              <a:rPr lang="en-US" dirty="0"/>
+              <a:t>connection string from received request hub</a:t>
+            </a:r>
+          </a:p>
+          <a:p>
+            <a:pPr lvl="1"/>
+            <a:r>
+              <a:rPr lang="en-US" dirty="0" smtClean="0"/>
+              <a:t>Business logic in </a:t>
+            </a:r>
+            <a:r>
+              <a:rPr lang="en-US" dirty="0" err="1" smtClean="0"/>
+              <a:t>BusinessLogic</a:t>
+            </a:r>
+            <a:r>
+              <a:rPr lang="en-US" dirty="0" smtClean="0"/>
+              <a:t> project in solution</a:t>
+            </a:r>
+          </a:p>
+          <a:p>
             <a:endParaRPr lang="en-US" dirty="0" smtClean="0"/>
           </a:p>
-        </p:txBody>
-      </p:sp>
-      <p:sp>
-        <p:nvSpPr>
-          <p:cNvPr id="4" name="Rectangle 3"/>
-          <p:cNvSpPr/>
-          <p:nvPr/>
-        </p:nvSpPr>
-        <p:spPr>
-          <a:xfrm>
-            <a:off x="9415854" y="0"/>
-            <a:ext cx="2676698" cy="2137202"/>
-          </a:xfrm>
-          <a:prstGeom prst="rect">
-            <a:avLst/>
-          </a:prstGeom>
-          <a:solidFill>
-            <a:srgbClr val="FFFF00"/>
-          </a:solidFill>
-        </p:spPr>
-        <p:style>
-          <a:lnRef idx="2">
-            <a:schemeClr val="accent1">
-              <a:shade val="50000"/>
-            </a:schemeClr>
-          </a:lnRef>
-          <a:fillRef idx="1">
-            <a:schemeClr val="accent1"/>
-          </a:fillRef>
-          <a:effectRef idx="0">
-            <a:schemeClr val="accent1"/>
-          </a:effectRef>
-          <a:fontRef idx="minor">
-            <a:schemeClr val="lt1"/>
-          </a:fontRef>
-        </p:style>
-        <p:txBody>
-          <a:bodyPr rtlCol="0" anchor="t" anchorCtr="0"/>
-          <a:lstStyle/>
-          <a:p>
-            <a:r>
-              <a:rPr lang="en-US" sz="1050" dirty="0" smtClean="0">
-                <a:solidFill>
-                  <a:schemeClr val="tx1"/>
-                </a:solidFill>
-              </a:rPr>
-              <a:t>Prep</a:t>
-            </a:r>
-          </a:p>
-          <a:p>
-            <a:pPr marL="285750" indent="-285750">
-              <a:buFontTx/>
-              <a:buChar char="-"/>
-            </a:pPr>
-            <a:r>
-              <a:rPr lang="en-US" sz="1050" dirty="0" smtClean="0">
-                <a:solidFill>
-                  <a:schemeClr val="tx1"/>
-                </a:solidFill>
-              </a:rPr>
-              <a:t>Define request class</a:t>
-            </a:r>
-          </a:p>
-          <a:p>
-            <a:pPr marL="285750" indent="-285750">
-              <a:buFontTx/>
-              <a:buChar char="-"/>
-            </a:pPr>
-            <a:r>
-              <a:rPr lang="en-US" sz="1050" dirty="0" smtClean="0">
-                <a:solidFill>
-                  <a:schemeClr val="tx1"/>
-                </a:solidFill>
-              </a:rPr>
-              <a:t>Request creator class</a:t>
-            </a:r>
-          </a:p>
-          <a:p>
-            <a:pPr marL="285750" indent="-285750">
-              <a:buFontTx/>
-              <a:buChar char="-"/>
-            </a:pPr>
-            <a:r>
-              <a:rPr lang="en-US" sz="1050" dirty="0" smtClean="0">
-                <a:solidFill>
-                  <a:schemeClr val="tx1"/>
-                </a:solidFill>
-              </a:rPr>
-              <a:t>Document creator class???</a:t>
-            </a:r>
-          </a:p>
-          <a:p>
-            <a:pPr marL="285750" indent="-285750">
-              <a:buFontTx/>
-              <a:buChar char="-"/>
-            </a:pPr>
-            <a:endParaRPr lang="en-US" sz="1050" dirty="0">
-              <a:solidFill>
-                <a:schemeClr val="tx1"/>
-              </a:solidFill>
-            </a:endParaRPr>
-          </a:p>
-          <a:p>
-            <a:r>
-              <a:rPr lang="en-US" sz="1050" dirty="0" smtClean="0">
-                <a:solidFill>
-                  <a:schemeClr val="tx1"/>
-                </a:solidFill>
-              </a:rPr>
-              <a:t>In class</a:t>
-            </a:r>
-          </a:p>
-          <a:p>
-            <a:pPr marL="171450" indent="-171450">
-              <a:buFontTx/>
-              <a:buChar char="-"/>
-            </a:pPr>
-            <a:r>
-              <a:rPr lang="en-US" sz="1050" dirty="0" smtClean="0">
-                <a:solidFill>
-                  <a:schemeClr val="tx1"/>
-                </a:solidFill>
-              </a:rPr>
-              <a:t>Create timer function in VS</a:t>
-            </a:r>
-          </a:p>
-          <a:p>
-            <a:pPr marL="171450" indent="-171450">
-              <a:buFontTx/>
-              <a:buChar char="-"/>
-            </a:pPr>
-            <a:r>
-              <a:rPr lang="en-US" sz="1050" dirty="0" smtClean="0">
-                <a:solidFill>
-                  <a:schemeClr val="tx1"/>
-                </a:solidFill>
-              </a:rPr>
-              <a:t>Call request creator</a:t>
-            </a:r>
-          </a:p>
-          <a:p>
-            <a:pPr marL="171450" indent="-171450">
-              <a:buFontTx/>
-              <a:buChar char="-"/>
-            </a:pPr>
-            <a:r>
-              <a:rPr lang="en-US" sz="1050" dirty="0" smtClean="0">
-                <a:solidFill>
-                  <a:schemeClr val="tx1"/>
-                </a:solidFill>
-              </a:rPr>
-              <a:t>Send event to topic</a:t>
-            </a:r>
-          </a:p>
-          <a:p>
-            <a:pPr marL="171450" indent="-171450">
-              <a:buFontTx/>
-              <a:buChar char="-"/>
-            </a:pPr>
-            <a:r>
-              <a:rPr lang="en-US" sz="1050" dirty="0" smtClean="0">
-                <a:solidFill>
-                  <a:schemeClr val="tx1"/>
-                </a:solidFill>
-              </a:rPr>
-              <a:t>Call creator???</a:t>
-            </a:r>
-          </a:p>
-          <a:p>
-            <a:pPr marL="171450" indent="-171450">
-              <a:buFontTx/>
-              <a:buChar char="-"/>
-            </a:pPr>
-            <a:r>
-              <a:rPr lang="en-US" sz="1050" dirty="0" smtClean="0">
-                <a:solidFill>
-                  <a:schemeClr val="tx1"/>
-                </a:solidFill>
-              </a:rPr>
-              <a:t>Call appeal??</a:t>
-            </a:r>
-          </a:p>
-          <a:p>
-            <a:pPr marL="171450" indent="-171450">
-              <a:buFontTx/>
-              <a:buChar char="-"/>
-            </a:pPr>
-            <a:r>
-              <a:rPr lang="en-US" sz="1050" dirty="0" smtClean="0">
-                <a:solidFill>
-                  <a:schemeClr val="tx1"/>
-                </a:solidFill>
-              </a:rPr>
-              <a:t>Deploy function to Azure</a:t>
-            </a:r>
-          </a:p>
-          <a:p>
-            <a:pPr marL="285750" indent="-285750">
-              <a:buFontTx/>
-              <a:buChar char="-"/>
-            </a:pPr>
-            <a:endParaRPr lang="en-US" dirty="0">
-              <a:solidFill>
-                <a:schemeClr val="tx1"/>
-              </a:solidFill>
-            </a:endParaRPr>
-          </a:p>
-        </p:txBody>
-      </p:sp>
-      <p:pic>
-        <p:nvPicPr>
-          <p:cNvPr id="5" name="Picture 4"/>
-          <p:cNvPicPr>
-            <a:picLocks noChangeAspect="1"/>
-          </p:cNvPicPr>
-          <p:nvPr/>
-        </p:nvPicPr>
-        <p:blipFill>
-          <a:blip r:embed="rId2"/>
-          <a:stretch>
-            <a:fillRect/>
-          </a:stretch>
-        </p:blipFill>
-        <p:spPr>
-          <a:xfrm>
-            <a:off x="7312897" y="5170714"/>
-            <a:ext cx="3695700" cy="1219200"/>
-          </a:xfrm>
-          <a:prstGeom prst="rect">
-            <a:avLst/>
-          </a:prstGeom>
-        </p:spPr>
-      </p:pic>
+          <a:p>
+            <a:r>
+              <a:rPr lang="en-US" dirty="0" smtClean="0"/>
+              <a:t>Publish to Azure</a:t>
+            </a:r>
+            <a:endParaRPr lang="en-US" dirty="0"/>
+          </a:p>
+        </p:txBody>
+      </p:sp>
     </p:spTree>
     <p:extLst>
       <p:ext uri="{BB962C8B-B14F-4D97-AF65-F5344CB8AC3E}">
-        <p14:creationId xmlns:p14="http://schemas.microsoft.com/office/powerpoint/2010/main" val="3626624777"/>
+        <p14:creationId xmlns:p14="http://schemas.microsoft.com/office/powerpoint/2010/main" val="3884156340"/>
       </p:ext>
     </p:extLst>
   </p:cSld>
@@ -18003,15 +17999,7 @@
             </a:pPr>
             <a:r>
               <a:rPr lang="en-US" dirty="0" smtClean="0"/>
-              <a:t>Three </a:t>
-            </a:r>
-            <a:r>
-              <a:rPr lang="en-US" dirty="0" smtClean="0"/>
-              <a:t>Amigo’s </a:t>
-            </a:r>
-            <a:r>
-              <a:rPr lang="en-US" dirty="0" smtClean="0"/>
-              <a:t>Health provides utilization management reviews for health care insurers. The insurers that employee TAH require providers to get approval before administering sleep studies, fertility treatments, or long-term care to their patients. This process helps ensure that the services are appropriate for the patient at the time.</a:t>
+              <a:t>Three Amigo’s Health provides utilization management reviews for health care insurers. The insurers that employee TAH require providers to get approval before administering sleep studies, fertility treatments, or long-term care to their patients. This process helps ensure that the services are appropriate for the patient at the time.</a:t>
             </a:r>
           </a:p>
           <a:p>
